--- a/Lecture Slides/VideoLectureSlides/8.3.pptx
+++ b/Lecture Slides/VideoLectureSlides/8.3.pptx
@@ -5,7 +5,7 @@
     <p:sldMasterId id="2147483660" r:id="rId4"/>
   </p:sldMasterIdLst>
   <p:notesMasterIdLst>
-    <p:notesMasterId r:id="rId15"/>
+    <p:notesMasterId r:id="rId17"/>
   </p:notesMasterIdLst>
   <p:sldIdLst>
     <p:sldId id="256" r:id="rId5"/>
@@ -18,6 +18,8 @@
     <p:sldId id="287" r:id="rId12"/>
     <p:sldId id="263" r:id="rId13"/>
     <p:sldId id="262" r:id="rId14"/>
+    <p:sldId id="288" r:id="rId15"/>
+    <p:sldId id="289" r:id="rId16"/>
   </p:sldIdLst>
   <p:sldSz cx="9144000" cy="6858000" type="screen4x3"/>
   <p:notesSz cx="6858000" cy="9144000"/>
@@ -231,7 +233,7 @@
           <a:p>
             <a:fld id="{1AA1AB63-216F-4D5B-8811-CCB935E98D4A}" type="datetimeFigureOut">
               <a:rPr lang="en-US" smtClean="0"/>
-              <a:t>12/22/2020</a:t>
+              <a:t>2/17/2022</a:t>
             </a:fld>
             <a:endParaRPr lang="en-US"/>
           </a:p>
@@ -5158,8 +5160,8 @@
             </a:fontRef>
           </p:style>
         </p:cxnSp>
-        <mc:AlternateContent xmlns:mc="http://schemas.openxmlformats.org/markup-compatibility/2006" xmlns:a14="http://schemas.microsoft.com/office/drawing/2010/main">
-          <mc:Choice Requires="a14">
+        <mc:AlternateContent xmlns:mc="http://schemas.openxmlformats.org/markup-compatibility/2006">
+          <mc:Choice xmlns:a14="http://schemas.microsoft.com/office/drawing/2010/main" Requires="a14">
             <p:sp>
               <p:nvSpPr>
                 <p:cNvPr id="57" name="TextBox 56">
@@ -5174,7 +5176,7 @@
               </p:nvSpPr>
               <p:spPr>
                 <a:xfrm>
-                  <a:off x="3654880" y="4463534"/>
+                  <a:off x="3563942" y="4267200"/>
                   <a:ext cx="768993" cy="369332"/>
                 </a:xfrm>
                 <a:prstGeom prst="rect">
@@ -5227,7 +5229,7 @@
               </p:txBody>
             </p:sp>
           </mc:Choice>
-          <mc:Fallback xmlns="">
+          <mc:Fallback>
             <p:sp>
               <p:nvSpPr>
                 <p:cNvPr id="57" name="TextBox 56">
@@ -5244,7 +5246,7 @@
               </p:nvSpPr>
               <p:spPr>
                 <a:xfrm>
-                  <a:off x="3654880" y="4463534"/>
+                  <a:off x="3563942" y="4267200"/>
                   <a:ext cx="768993" cy="369332"/>
                 </a:xfrm>
                 <a:prstGeom prst="rect">
@@ -5253,7 +5255,7 @@
                 <a:blipFill>
                   <a:blip r:embed="rId8"/>
                   <a:stretch>
-                    <a:fillRect r="-32222" b="-58140"/>
+                    <a:fillRect r="-33708" b="-58140"/>
                   </a:stretch>
                 </a:blipFill>
               </p:spPr>
@@ -5400,6 +5402,2461 @@
     <p:extLst>
       <p:ext uri="{BB962C8B-B14F-4D97-AF65-F5344CB8AC3E}">
         <p14:creationId xmlns:p14="http://schemas.microsoft.com/office/powerpoint/2010/main" val="1071515009"/>
+      </p:ext>
+    </p:extLst>
+  </p:cSld>
+  <p:clrMapOvr>
+    <a:masterClrMapping/>
+  </p:clrMapOvr>
+</p:sld>
+</file>
+
+<file path=ppt/slides/slide11.xml><?xml version="1.0" encoding="utf-8"?>
+<p:sld xmlns:a="http://schemas.openxmlformats.org/drawingml/2006/main" xmlns:r="http://schemas.openxmlformats.org/officeDocument/2006/relationships" xmlns:p="http://schemas.openxmlformats.org/presentationml/2006/main">
+  <p:cSld>
+    <p:spTree>
+      <p:nvGrpSpPr>
+        <p:cNvPr id="1" name=""/>
+        <p:cNvGrpSpPr/>
+        <p:nvPr/>
+      </p:nvGrpSpPr>
+      <p:grpSpPr>
+        <a:xfrm>
+          <a:off x="0" y="0"/>
+          <a:ext cx="0" cy="0"/>
+          <a:chOff x="0" y="0"/>
+          <a:chExt cx="0" cy="0"/>
+        </a:xfrm>
+      </p:grpSpPr>
+      <p:sp>
+        <p:nvSpPr>
+          <p:cNvPr id="2" name="Title 1">
+            <a:extLst>
+              <a:ext uri="{FF2B5EF4-FFF2-40B4-BE49-F238E27FC236}">
+                <a16:creationId xmlns:a16="http://schemas.microsoft.com/office/drawing/2014/main" id="{E7931B17-AF25-4AA3-814D-1FCE28292FD8}"/>
+              </a:ext>
+            </a:extLst>
+          </p:cNvPr>
+          <p:cNvSpPr>
+            <a:spLocks noGrp="1"/>
+          </p:cNvSpPr>
+          <p:nvPr>
+            <p:ph type="title"/>
+          </p:nvPr>
+        </p:nvSpPr>
+        <p:spPr/>
+        <p:txBody>
+          <a:bodyPr/>
+          <a:lstStyle/>
+          <a:p>
+            <a:r>
+              <a:rPr lang="en-US" dirty="0"/>
+              <a:t>Worked Example</a:t>
+            </a:r>
+          </a:p>
+        </p:txBody>
+      </p:sp>
+      <p:sp>
+        <p:nvSpPr>
+          <p:cNvPr id="3" name="Content Placeholder 2">
+            <a:extLst>
+              <a:ext uri="{FF2B5EF4-FFF2-40B4-BE49-F238E27FC236}">
+                <a16:creationId xmlns:a16="http://schemas.microsoft.com/office/drawing/2014/main" id="{15B9A560-99EC-4B1B-B48F-9BE61FD08BDC}"/>
+              </a:ext>
+            </a:extLst>
+          </p:cNvPr>
+          <p:cNvSpPr>
+            <a:spLocks noGrp="1"/>
+          </p:cNvSpPr>
+          <p:nvPr>
+            <p:ph idx="1"/>
+          </p:nvPr>
+        </p:nvSpPr>
+        <p:spPr>
+          <a:xfrm>
+            <a:off x="457200" y="1600200"/>
+            <a:ext cx="8229600" cy="1828800"/>
+          </a:xfrm>
+        </p:spPr>
+        <p:txBody>
+          <a:bodyPr>
+            <a:normAutofit fontScale="70000" lnSpcReduction="20000"/>
+          </a:bodyPr>
+          <a:lstStyle/>
+          <a:p>
+            <a:r>
+              <a:rPr lang="en-US" dirty="0"/>
+              <a:t>A tennis ball is launched at an angled surface as shown below such that it will bounce up after impact. The tennis ball has an initial velocity of 30 m/s at a 20-degree angle and is launched 20 meters from the base of the surface, which itself is angled at 45 degrees. Determine the coordinates where the tennis ball is expected to impact the surface.</a:t>
+            </a:r>
+          </a:p>
+        </p:txBody>
+      </p:sp>
+      <p:sp>
+        <p:nvSpPr>
+          <p:cNvPr id="4" name="Slide Number Placeholder 3">
+            <a:extLst>
+              <a:ext uri="{FF2B5EF4-FFF2-40B4-BE49-F238E27FC236}">
+                <a16:creationId xmlns:a16="http://schemas.microsoft.com/office/drawing/2014/main" id="{FD4CC942-85B4-402C-B969-B58F96F91BAD}"/>
+              </a:ext>
+            </a:extLst>
+          </p:cNvPr>
+          <p:cNvSpPr>
+            <a:spLocks noGrp="1"/>
+          </p:cNvSpPr>
+          <p:nvPr>
+            <p:ph type="sldNum" sz="quarter" idx="12"/>
+          </p:nvPr>
+        </p:nvSpPr>
+        <p:spPr/>
+        <p:txBody>
+          <a:bodyPr/>
+          <a:lstStyle/>
+          <a:p>
+            <a:fld id="{929262FE-7F58-4A1E-8AF3-5A510A86DEBD}" type="slidenum">
+              <a:rPr lang="en-US" smtClean="0"/>
+              <a:t>11</a:t>
+            </a:fld>
+            <a:endParaRPr lang="en-US"/>
+          </a:p>
+        </p:txBody>
+      </p:sp>
+      <p:pic>
+        <p:nvPicPr>
+          <p:cNvPr id="1026" name="Picture 2" descr="Tennis ball vector image | Public domain vectors">
+            <a:extLst>
+              <a:ext uri="{FF2B5EF4-FFF2-40B4-BE49-F238E27FC236}">
+                <a16:creationId xmlns:a16="http://schemas.microsoft.com/office/drawing/2014/main" id="{08CFF741-4099-4001-9C41-BB136B3A5134}"/>
+              </a:ext>
+            </a:extLst>
+          </p:cNvPr>
+          <p:cNvPicPr>
+            <a:picLocks noChangeAspect="1" noChangeArrowheads="1"/>
+          </p:cNvPicPr>
+          <p:nvPr/>
+        </p:nvPicPr>
+        <p:blipFill>
+          <a:blip r:embed="rId2" cstate="print">
+            <a:extLst>
+              <a:ext uri="{28A0092B-C50C-407E-A947-70E740481C1C}">
+                <a14:useLocalDpi xmlns:a14="http://schemas.microsoft.com/office/drawing/2010/main" val="0"/>
+              </a:ext>
+            </a:extLst>
+          </a:blip>
+          <a:srcRect/>
+          <a:stretch>
+            <a:fillRect/>
+          </a:stretch>
+        </p:blipFill>
+        <p:spPr bwMode="auto">
+          <a:xfrm>
+            <a:off x="1370718" y="5088144"/>
+            <a:ext cx="385763" cy="385763"/>
+          </a:xfrm>
+          <a:prstGeom prst="rect">
+            <a:avLst/>
+          </a:prstGeom>
+          <a:noFill/>
+          <a:extLst>
+            <a:ext uri="{909E8E84-426E-40DD-AFC4-6F175D3DCCD1}">
+              <a14:hiddenFill xmlns:a14="http://schemas.microsoft.com/office/drawing/2010/main">
+                <a:solidFill>
+                  <a:srgbClr val="FFFFFF"/>
+                </a:solidFill>
+              </a14:hiddenFill>
+            </a:ext>
+          </a:extLst>
+        </p:spPr>
+      </p:pic>
+      <p:cxnSp>
+        <p:nvCxnSpPr>
+          <p:cNvPr id="6" name="Straight Connector 5">
+            <a:extLst>
+              <a:ext uri="{FF2B5EF4-FFF2-40B4-BE49-F238E27FC236}">
+                <a16:creationId xmlns:a16="http://schemas.microsoft.com/office/drawing/2014/main" id="{1A749260-E1B4-43E4-B513-A37FD2B1BDEC}"/>
+              </a:ext>
+            </a:extLst>
+          </p:cNvPr>
+          <p:cNvCxnSpPr>
+            <a:cxnSpLocks/>
+          </p:cNvCxnSpPr>
+          <p:nvPr/>
+        </p:nvCxnSpPr>
+        <p:spPr>
+          <a:xfrm flipV="1">
+            <a:off x="1904118" y="5311032"/>
+            <a:ext cx="5896857" cy="0"/>
+          </a:xfrm>
+          <a:prstGeom prst="line">
+            <a:avLst/>
+          </a:prstGeom>
+          <a:ln w="9525" cap="flat" cmpd="sng" algn="ctr">
+            <a:solidFill>
+              <a:schemeClr val="dk1"/>
+            </a:solidFill>
+            <a:prstDash val="solid"/>
+            <a:round/>
+            <a:headEnd type="none" w="med" len="med"/>
+            <a:tailEnd type="arrow" w="med" len="med"/>
+          </a:ln>
+        </p:spPr>
+        <p:style>
+          <a:lnRef idx="0">
+            <a:scrgbClr r="0" g="0" b="0"/>
+          </a:lnRef>
+          <a:fillRef idx="0">
+            <a:scrgbClr r="0" g="0" b="0"/>
+          </a:fillRef>
+          <a:effectRef idx="0">
+            <a:scrgbClr r="0" g="0" b="0"/>
+          </a:effectRef>
+          <a:fontRef idx="minor">
+            <a:schemeClr val="tx1"/>
+          </a:fontRef>
+        </p:style>
+      </p:cxnSp>
+      <p:cxnSp>
+        <p:nvCxnSpPr>
+          <p:cNvPr id="7" name="Straight Connector 6">
+            <a:extLst>
+              <a:ext uri="{FF2B5EF4-FFF2-40B4-BE49-F238E27FC236}">
+                <a16:creationId xmlns:a16="http://schemas.microsoft.com/office/drawing/2014/main" id="{B657B3EF-FCA4-4F0C-8827-B93D784B074C}"/>
+              </a:ext>
+            </a:extLst>
+          </p:cNvPr>
+          <p:cNvCxnSpPr>
+            <a:cxnSpLocks/>
+          </p:cNvCxnSpPr>
+          <p:nvPr/>
+        </p:nvCxnSpPr>
+        <p:spPr>
+          <a:xfrm flipV="1">
+            <a:off x="1887189" y="4893927"/>
+            <a:ext cx="808053" cy="266645"/>
+          </a:xfrm>
+          <a:prstGeom prst="line">
+            <a:avLst/>
+          </a:prstGeom>
+          <a:ln w="9525" cap="flat" cmpd="sng" algn="ctr">
+            <a:solidFill>
+              <a:schemeClr val="accent1"/>
+            </a:solidFill>
+            <a:prstDash val="dash"/>
+            <a:round/>
+            <a:headEnd type="none" w="med" len="med"/>
+            <a:tailEnd type="arrow" w="med" len="med"/>
+          </a:ln>
+        </p:spPr>
+        <p:style>
+          <a:lnRef idx="0">
+            <a:scrgbClr r="0" g="0" b="0"/>
+          </a:lnRef>
+          <a:fillRef idx="0">
+            <a:scrgbClr r="0" g="0" b="0"/>
+          </a:fillRef>
+          <a:effectRef idx="0">
+            <a:scrgbClr r="0" g="0" b="0"/>
+          </a:effectRef>
+          <a:fontRef idx="minor">
+            <a:schemeClr val="tx1"/>
+          </a:fontRef>
+        </p:style>
+      </p:cxnSp>
+      <mc:AlternateContent xmlns:mc="http://schemas.openxmlformats.org/markup-compatibility/2006">
+        <mc:Choice xmlns:a14="http://schemas.microsoft.com/office/drawing/2010/main" Requires="a14">
+          <p:sp>
+            <p:nvSpPr>
+              <p:cNvPr id="8" name="TextBox 7">
+                <a:extLst>
+                  <a:ext uri="{FF2B5EF4-FFF2-40B4-BE49-F238E27FC236}">
+                    <a16:creationId xmlns:a16="http://schemas.microsoft.com/office/drawing/2014/main" id="{D8BC9F8D-E3AA-4E33-9A6D-0C8E938E7B02}"/>
+                  </a:ext>
+                </a:extLst>
+              </p:cNvPr>
+              <p:cNvSpPr txBox="1"/>
+              <p:nvPr/>
+            </p:nvSpPr>
+            <p:spPr>
+              <a:xfrm>
+                <a:off x="2067249" y="4249083"/>
+                <a:ext cx="1255985" cy="566758"/>
+              </a:xfrm>
+              <a:prstGeom prst="rect">
+                <a:avLst/>
+              </a:prstGeom>
+              <a:noFill/>
+            </p:spPr>
+            <p:txBody>
+              <a:bodyPr wrap="none" rtlCol="0">
+                <a:spAutoFit/>
+              </a:bodyPr>
+              <a:lstStyle/>
+              <a:p>
+                <a:pPr/>
+                <a14:m>
+                  <m:oMathPara xmlns:m="http://schemas.openxmlformats.org/officeDocument/2006/math">
+                    <m:oMathParaPr>
+                      <m:jc m:val="centerGroup"/>
+                    </m:oMathParaPr>
+                    <m:oMath xmlns:m="http://schemas.openxmlformats.org/officeDocument/2006/math">
+                      <m:sSub>
+                        <m:sSubPr>
+                          <m:ctrlPr>
+                            <a:rPr lang="en-US" i="1" smtClean="0">
+                              <a:solidFill>
+                                <a:schemeClr val="accent1"/>
+                              </a:solidFill>
+                              <a:latin typeface="Cambria Math" panose="02040503050406030204" pitchFamily="18" charset="0"/>
+                            </a:rPr>
+                          </m:ctrlPr>
+                        </m:sSubPr>
+                        <m:e>
+                          <m:r>
+                            <a:rPr lang="en-US" b="0" i="1" smtClean="0">
+                              <a:solidFill>
+                                <a:schemeClr val="accent1"/>
+                              </a:solidFill>
+                              <a:latin typeface="Cambria Math" panose="02040503050406030204" pitchFamily="18" charset="0"/>
+                            </a:rPr>
+                            <m:t>𝑣</m:t>
+                          </m:r>
+                        </m:e>
+                        <m:sub>
+                          <m:r>
+                            <a:rPr lang="en-US" b="0" i="1" smtClean="0">
+                              <a:solidFill>
+                                <a:schemeClr val="accent1"/>
+                              </a:solidFill>
+                              <a:latin typeface="Cambria Math" panose="02040503050406030204" pitchFamily="18" charset="0"/>
+                            </a:rPr>
+                            <m:t>𝑜</m:t>
+                          </m:r>
+                        </m:sub>
+                      </m:sSub>
+                      <m:r>
+                        <a:rPr lang="en-US" b="0" i="1" smtClean="0">
+                          <a:solidFill>
+                            <a:schemeClr val="accent1"/>
+                          </a:solidFill>
+                          <a:latin typeface="Cambria Math" panose="02040503050406030204" pitchFamily="18" charset="0"/>
+                        </a:rPr>
+                        <m:t>=</m:t>
+                      </m:r>
+                      <m:r>
+                        <a:rPr lang="en-US" b="0" i="1" smtClean="0">
+                          <a:solidFill>
+                            <a:schemeClr val="accent1"/>
+                          </a:solidFill>
+                          <a:latin typeface="Cambria Math" panose="02040503050406030204" pitchFamily="18" charset="0"/>
+                        </a:rPr>
+                        <m:t>30</m:t>
+                      </m:r>
+                      <m:f>
+                        <m:fPr>
+                          <m:ctrlPr>
+                            <a:rPr lang="en-US" b="0" i="1" smtClean="0">
+                              <a:solidFill>
+                                <a:schemeClr val="accent1"/>
+                              </a:solidFill>
+                              <a:latin typeface="Cambria Math" panose="02040503050406030204" pitchFamily="18" charset="0"/>
+                            </a:rPr>
+                          </m:ctrlPr>
+                        </m:fPr>
+                        <m:num>
+                          <m:r>
+                            <a:rPr lang="en-US" b="0" i="1" smtClean="0">
+                              <a:solidFill>
+                                <a:schemeClr val="accent1"/>
+                              </a:solidFill>
+                              <a:latin typeface="Cambria Math" panose="02040503050406030204" pitchFamily="18" charset="0"/>
+                            </a:rPr>
+                            <m:t>𝑚</m:t>
+                          </m:r>
+                        </m:num>
+                        <m:den>
+                          <m:r>
+                            <a:rPr lang="en-US" b="0" i="1" smtClean="0">
+                              <a:solidFill>
+                                <a:schemeClr val="accent1"/>
+                              </a:solidFill>
+                              <a:latin typeface="Cambria Math" panose="02040503050406030204" pitchFamily="18" charset="0"/>
+                            </a:rPr>
+                            <m:t>𝑠</m:t>
+                          </m:r>
+                        </m:den>
+                      </m:f>
+                    </m:oMath>
+                  </m:oMathPara>
+                </a14:m>
+                <a:endParaRPr lang="en-US" dirty="0">
+                  <a:solidFill>
+                    <a:schemeClr val="accent1"/>
+                  </a:solidFill>
+                </a:endParaRPr>
+              </a:p>
+            </p:txBody>
+          </p:sp>
+        </mc:Choice>
+        <mc:Fallback>
+          <p:sp>
+            <p:nvSpPr>
+              <p:cNvPr id="8" name="TextBox 7">
+                <a:extLst>
+                  <a:ext uri="{FF2B5EF4-FFF2-40B4-BE49-F238E27FC236}">
+                    <a16:creationId xmlns:a16="http://schemas.microsoft.com/office/drawing/2014/main" id="{D8BC9F8D-E3AA-4E33-9A6D-0C8E938E7B02}"/>
+                  </a:ext>
+                </a:extLst>
+              </p:cNvPr>
+              <p:cNvSpPr txBox="1">
+                <a:spLocks noRot="1" noChangeAspect="1" noMove="1" noResize="1" noEditPoints="1" noAdjustHandles="1" noChangeArrowheads="1" noChangeShapeType="1" noTextEdit="1"/>
+              </p:cNvSpPr>
+              <p:nvPr/>
+            </p:nvSpPr>
+            <p:spPr>
+              <a:xfrm>
+                <a:off x="2067249" y="4249083"/>
+                <a:ext cx="1255985" cy="566758"/>
+              </a:xfrm>
+              <a:prstGeom prst="rect">
+                <a:avLst/>
+              </a:prstGeom>
+              <a:blipFill>
+                <a:blip r:embed="rId3"/>
+                <a:stretch>
+                  <a:fillRect/>
+                </a:stretch>
+              </a:blipFill>
+            </p:spPr>
+            <p:txBody>
+              <a:bodyPr/>
+              <a:lstStyle/>
+              <a:p>
+                <a:r>
+                  <a:rPr lang="en-US">
+                    <a:noFill/>
+                  </a:rPr>
+                  <a:t> </a:t>
+                </a:r>
+              </a:p>
+            </p:txBody>
+          </p:sp>
+        </mc:Fallback>
+      </mc:AlternateContent>
+      <mc:AlternateContent xmlns:mc="http://schemas.openxmlformats.org/markup-compatibility/2006">
+        <mc:Choice xmlns:a14="http://schemas.microsoft.com/office/drawing/2010/main" Requires="a14">
+          <p:sp>
+            <p:nvSpPr>
+              <p:cNvPr id="9" name="TextBox 8">
+                <a:extLst>
+                  <a:ext uri="{FF2B5EF4-FFF2-40B4-BE49-F238E27FC236}">
+                    <a16:creationId xmlns:a16="http://schemas.microsoft.com/office/drawing/2014/main" id="{EC918DAF-13D9-49C1-A1F9-04F98A4A3602}"/>
+                  </a:ext>
+                </a:extLst>
+              </p:cNvPr>
+              <p:cNvSpPr txBox="1"/>
+              <p:nvPr/>
+            </p:nvSpPr>
+            <p:spPr>
+              <a:xfrm>
+                <a:off x="2009599" y="5335025"/>
+                <a:ext cx="563231" cy="362984"/>
+              </a:xfrm>
+              <a:prstGeom prst="rect">
+                <a:avLst/>
+              </a:prstGeom>
+              <a:solidFill>
+                <a:schemeClr val="bg1"/>
+              </a:solidFill>
+            </p:spPr>
+            <p:txBody>
+              <a:bodyPr wrap="none" rtlCol="0">
+                <a:spAutoFit/>
+              </a:bodyPr>
+              <a:lstStyle/>
+              <a:p>
+                <a:pPr/>
+                <a14:m>
+                  <m:oMathPara xmlns:m="http://schemas.openxmlformats.org/officeDocument/2006/math">
+                    <m:oMathParaPr>
+                      <m:jc m:val="centerGroup"/>
+                    </m:oMathParaPr>
+                    <m:oMath xmlns:m="http://schemas.openxmlformats.org/officeDocument/2006/math">
+                      <m:r>
+                        <a:rPr lang="en-US" b="0" i="1" smtClean="0">
+                          <a:solidFill>
+                            <a:schemeClr val="accent1"/>
+                          </a:solidFill>
+                          <a:latin typeface="Cambria Math" panose="02040503050406030204" pitchFamily="18" charset="0"/>
+                        </a:rPr>
+                        <m:t>2</m:t>
+                      </m:r>
+                      <m:r>
+                        <a:rPr lang="en-US" b="0" i="1" smtClean="0">
+                          <a:solidFill>
+                            <a:schemeClr val="accent1"/>
+                          </a:solidFill>
+                          <a:latin typeface="Cambria Math" panose="02040503050406030204" pitchFamily="18" charset="0"/>
+                        </a:rPr>
+                        <m:t>0</m:t>
+                      </m:r>
+                      <m:r>
+                        <a:rPr lang="en-US" b="0" i="1" baseline="30000" smtClean="0">
+                          <a:solidFill>
+                            <a:schemeClr val="accent1"/>
+                          </a:solidFill>
+                          <a:latin typeface="Cambria Math" panose="02040503050406030204" pitchFamily="18" charset="0"/>
+                        </a:rPr>
+                        <m:t>𝑜</m:t>
+                      </m:r>
+                    </m:oMath>
+                  </m:oMathPara>
+                </a14:m>
+                <a:endParaRPr lang="en-US" baseline="30000" dirty="0">
+                  <a:solidFill>
+                    <a:schemeClr val="accent1"/>
+                  </a:solidFill>
+                </a:endParaRPr>
+              </a:p>
+            </p:txBody>
+          </p:sp>
+        </mc:Choice>
+        <mc:Fallback>
+          <p:sp>
+            <p:nvSpPr>
+              <p:cNvPr id="9" name="TextBox 8">
+                <a:extLst>
+                  <a:ext uri="{FF2B5EF4-FFF2-40B4-BE49-F238E27FC236}">
+                    <a16:creationId xmlns:a16="http://schemas.microsoft.com/office/drawing/2014/main" id="{EC918DAF-13D9-49C1-A1F9-04F98A4A3602}"/>
+                  </a:ext>
+                </a:extLst>
+              </p:cNvPr>
+              <p:cNvSpPr txBox="1">
+                <a:spLocks noRot="1" noChangeAspect="1" noMove="1" noResize="1" noEditPoints="1" noAdjustHandles="1" noChangeArrowheads="1" noChangeShapeType="1" noTextEdit="1"/>
+              </p:cNvSpPr>
+              <p:nvPr/>
+            </p:nvSpPr>
+            <p:spPr>
+              <a:xfrm>
+                <a:off x="2009599" y="5335025"/>
+                <a:ext cx="563231" cy="362984"/>
+              </a:xfrm>
+              <a:prstGeom prst="rect">
+                <a:avLst/>
+              </a:prstGeom>
+              <a:blipFill>
+                <a:blip r:embed="rId4"/>
+                <a:stretch>
+                  <a:fillRect/>
+                </a:stretch>
+              </a:blipFill>
+            </p:spPr>
+            <p:txBody>
+              <a:bodyPr/>
+              <a:lstStyle/>
+              <a:p>
+                <a:r>
+                  <a:rPr lang="en-US">
+                    <a:noFill/>
+                  </a:rPr>
+                  <a:t> </a:t>
+                </a:r>
+              </a:p>
+            </p:txBody>
+          </p:sp>
+        </mc:Fallback>
+      </mc:AlternateContent>
+      <p:sp>
+        <p:nvSpPr>
+          <p:cNvPr id="10" name="Arc 9">
+            <a:extLst>
+              <a:ext uri="{FF2B5EF4-FFF2-40B4-BE49-F238E27FC236}">
+                <a16:creationId xmlns:a16="http://schemas.microsoft.com/office/drawing/2014/main" id="{99088A26-4A88-4B88-A0FA-E7C2D87A3EF9}"/>
+              </a:ext>
+            </a:extLst>
+          </p:cNvPr>
+          <p:cNvSpPr/>
+          <p:nvPr/>
+        </p:nvSpPr>
+        <p:spPr>
+          <a:xfrm>
+            <a:off x="1019175" y="4655747"/>
+            <a:ext cx="1295515" cy="1310571"/>
+          </a:xfrm>
+          <a:prstGeom prst="arc">
+            <a:avLst>
+              <a:gd name="adj1" fmla="val 20210154"/>
+              <a:gd name="adj2" fmla="val 0"/>
+            </a:avLst>
+          </a:prstGeom>
+        </p:spPr>
+        <p:style>
+          <a:lnRef idx="1">
+            <a:schemeClr val="accent1"/>
+          </a:lnRef>
+          <a:fillRef idx="0">
+            <a:schemeClr val="accent1"/>
+          </a:fillRef>
+          <a:effectRef idx="0">
+            <a:schemeClr val="accent1"/>
+          </a:effectRef>
+          <a:fontRef idx="minor">
+            <a:schemeClr val="tx1"/>
+          </a:fontRef>
+        </p:style>
+        <p:txBody>
+          <a:bodyPr rtlCol="0" anchor="ctr"/>
+          <a:lstStyle/>
+          <a:p>
+            <a:pPr algn="ctr"/>
+            <a:endParaRPr lang="en-US"/>
+          </a:p>
+        </p:txBody>
+      </p:sp>
+      <mc:AlternateContent xmlns:mc="http://schemas.openxmlformats.org/markup-compatibility/2006">
+        <mc:Choice xmlns:a14="http://schemas.microsoft.com/office/drawing/2010/main" Requires="a14">
+          <p:sp>
+            <p:nvSpPr>
+              <p:cNvPr id="12" name="TextBox 11">
+                <a:extLst>
+                  <a:ext uri="{FF2B5EF4-FFF2-40B4-BE49-F238E27FC236}">
+                    <a16:creationId xmlns:a16="http://schemas.microsoft.com/office/drawing/2014/main" id="{59108C1E-30FD-4DDB-B965-99FA4BF9D70E}"/>
+                  </a:ext>
+                </a:extLst>
+              </p:cNvPr>
+              <p:cNvSpPr txBox="1"/>
+              <p:nvPr/>
+            </p:nvSpPr>
+            <p:spPr>
+              <a:xfrm>
+                <a:off x="7891413" y="5137299"/>
+                <a:ext cx="260680" cy="264674"/>
+              </a:xfrm>
+              <a:prstGeom prst="rect">
+                <a:avLst/>
+              </a:prstGeom>
+              <a:noFill/>
+            </p:spPr>
+            <p:txBody>
+              <a:bodyPr wrap="none" rtlCol="0">
+                <a:spAutoFit/>
+              </a:bodyPr>
+              <a:lstStyle/>
+              <a:p>
+                <a:pPr/>
+                <a14:m>
+                  <m:oMathPara xmlns:m="http://schemas.openxmlformats.org/officeDocument/2006/math">
+                    <m:oMathParaPr>
+                      <m:jc m:val="centerGroup"/>
+                    </m:oMathParaPr>
+                    <m:oMath xmlns:m="http://schemas.openxmlformats.org/officeDocument/2006/math">
+                      <m:r>
+                        <a:rPr lang="en-US" i="1" smtClean="0">
+                          <a:solidFill>
+                            <a:schemeClr val="tx1"/>
+                          </a:solidFill>
+                          <a:latin typeface="Cambria Math" panose="02040503050406030204" pitchFamily="18" charset="0"/>
+                        </a:rPr>
+                        <m:t>𝑥</m:t>
+                      </m:r>
+                    </m:oMath>
+                  </m:oMathPara>
+                </a14:m>
+                <a:endParaRPr lang="en-US" dirty="0">
+                  <a:solidFill>
+                    <a:schemeClr val="accent1"/>
+                  </a:solidFill>
+                </a:endParaRPr>
+              </a:p>
+            </p:txBody>
+          </p:sp>
+        </mc:Choice>
+        <mc:Fallback>
+          <p:sp>
+            <p:nvSpPr>
+              <p:cNvPr id="12" name="TextBox 11">
+                <a:extLst>
+                  <a:ext uri="{FF2B5EF4-FFF2-40B4-BE49-F238E27FC236}">
+                    <a16:creationId xmlns:a16="http://schemas.microsoft.com/office/drawing/2014/main" id="{59108C1E-30FD-4DDB-B965-99FA4BF9D70E}"/>
+                  </a:ext>
+                </a:extLst>
+              </p:cNvPr>
+              <p:cNvSpPr txBox="1">
+                <a:spLocks noRot="1" noChangeAspect="1" noMove="1" noResize="1" noEditPoints="1" noAdjustHandles="1" noChangeArrowheads="1" noChangeShapeType="1" noTextEdit="1"/>
+              </p:cNvSpPr>
+              <p:nvPr/>
+            </p:nvSpPr>
+            <p:spPr>
+              <a:xfrm>
+                <a:off x="7891413" y="5137299"/>
+                <a:ext cx="260680" cy="264674"/>
+              </a:xfrm>
+              <a:prstGeom prst="rect">
+                <a:avLst/>
+              </a:prstGeom>
+              <a:blipFill>
+                <a:blip r:embed="rId5"/>
+                <a:stretch>
+                  <a:fillRect r="-7143" b="-20930"/>
+                </a:stretch>
+              </a:blipFill>
+            </p:spPr>
+            <p:txBody>
+              <a:bodyPr/>
+              <a:lstStyle/>
+              <a:p>
+                <a:r>
+                  <a:rPr lang="en-US">
+                    <a:noFill/>
+                  </a:rPr>
+                  <a:t> </a:t>
+                </a:r>
+              </a:p>
+            </p:txBody>
+          </p:sp>
+        </mc:Fallback>
+      </mc:AlternateContent>
+      <p:cxnSp>
+        <p:nvCxnSpPr>
+          <p:cNvPr id="13" name="Straight Connector 12">
+            <a:extLst>
+              <a:ext uri="{FF2B5EF4-FFF2-40B4-BE49-F238E27FC236}">
+                <a16:creationId xmlns:a16="http://schemas.microsoft.com/office/drawing/2014/main" id="{C8F2533A-D0E2-48A1-AB03-7A780A6629D1}"/>
+              </a:ext>
+            </a:extLst>
+          </p:cNvPr>
+          <p:cNvCxnSpPr/>
+          <p:nvPr/>
+        </p:nvCxnSpPr>
+        <p:spPr>
+          <a:xfrm flipV="1">
+            <a:off x="1559787" y="4549102"/>
+            <a:ext cx="8097" cy="421543"/>
+          </a:xfrm>
+          <a:prstGeom prst="line">
+            <a:avLst/>
+          </a:prstGeom>
+          <a:ln w="9525" cap="flat" cmpd="sng" algn="ctr">
+            <a:solidFill>
+              <a:schemeClr val="dk1"/>
+            </a:solidFill>
+            <a:prstDash val="solid"/>
+            <a:round/>
+            <a:headEnd type="none" w="med" len="med"/>
+            <a:tailEnd type="arrow" w="med" len="med"/>
+          </a:ln>
+        </p:spPr>
+        <p:style>
+          <a:lnRef idx="0">
+            <a:scrgbClr r="0" g="0" b="0"/>
+          </a:lnRef>
+          <a:fillRef idx="0">
+            <a:scrgbClr r="0" g="0" b="0"/>
+          </a:fillRef>
+          <a:effectRef idx="0">
+            <a:scrgbClr r="0" g="0" b="0"/>
+          </a:effectRef>
+          <a:fontRef idx="minor">
+            <a:schemeClr val="tx1"/>
+          </a:fontRef>
+        </p:style>
+      </p:cxnSp>
+      <mc:AlternateContent xmlns:mc="http://schemas.openxmlformats.org/markup-compatibility/2006">
+        <mc:Choice xmlns:a14="http://schemas.microsoft.com/office/drawing/2010/main" Requires="a14">
+          <p:sp>
+            <p:nvSpPr>
+              <p:cNvPr id="14" name="TextBox 13">
+                <a:extLst>
+                  <a:ext uri="{FF2B5EF4-FFF2-40B4-BE49-F238E27FC236}">
+                    <a16:creationId xmlns:a16="http://schemas.microsoft.com/office/drawing/2014/main" id="{4F632902-D1A5-4A3C-B02C-9D86414D6B59}"/>
+                  </a:ext>
+                </a:extLst>
+              </p:cNvPr>
+              <p:cNvSpPr txBox="1"/>
+              <p:nvPr/>
+            </p:nvSpPr>
+            <p:spPr>
+              <a:xfrm>
+                <a:off x="1420077" y="4042538"/>
+                <a:ext cx="263087" cy="264674"/>
+              </a:xfrm>
+              <a:prstGeom prst="rect">
+                <a:avLst/>
+              </a:prstGeom>
+              <a:noFill/>
+            </p:spPr>
+            <p:txBody>
+              <a:bodyPr wrap="none" rtlCol="0">
+                <a:spAutoFit/>
+              </a:bodyPr>
+              <a:lstStyle/>
+              <a:p>
+                <a:pPr/>
+                <a14:m>
+                  <m:oMathPara xmlns:m="http://schemas.openxmlformats.org/officeDocument/2006/math">
+                    <m:oMathParaPr>
+                      <m:jc m:val="centerGroup"/>
+                    </m:oMathParaPr>
+                    <m:oMath xmlns:m="http://schemas.openxmlformats.org/officeDocument/2006/math">
+                      <m:r>
+                        <a:rPr lang="en-US" b="0" i="1" smtClean="0">
+                          <a:solidFill>
+                            <a:schemeClr val="tx1"/>
+                          </a:solidFill>
+                          <a:latin typeface="Cambria Math" panose="02040503050406030204" pitchFamily="18" charset="0"/>
+                        </a:rPr>
+                        <m:t>𝑦</m:t>
+                      </m:r>
+                    </m:oMath>
+                  </m:oMathPara>
+                </a14:m>
+                <a:endParaRPr lang="en-US" dirty="0">
+                  <a:solidFill>
+                    <a:schemeClr val="accent1"/>
+                  </a:solidFill>
+                </a:endParaRPr>
+              </a:p>
+            </p:txBody>
+          </p:sp>
+        </mc:Choice>
+        <mc:Fallback>
+          <p:sp>
+            <p:nvSpPr>
+              <p:cNvPr id="14" name="TextBox 13">
+                <a:extLst>
+                  <a:ext uri="{FF2B5EF4-FFF2-40B4-BE49-F238E27FC236}">
+                    <a16:creationId xmlns:a16="http://schemas.microsoft.com/office/drawing/2014/main" id="{4F632902-D1A5-4A3C-B02C-9D86414D6B59}"/>
+                  </a:ext>
+                </a:extLst>
+              </p:cNvPr>
+              <p:cNvSpPr txBox="1">
+                <a:spLocks noRot="1" noChangeAspect="1" noMove="1" noResize="1" noEditPoints="1" noAdjustHandles="1" noChangeArrowheads="1" noChangeShapeType="1" noTextEdit="1"/>
+              </p:cNvSpPr>
+              <p:nvPr/>
+            </p:nvSpPr>
+            <p:spPr>
+              <a:xfrm>
+                <a:off x="1420077" y="4042538"/>
+                <a:ext cx="263087" cy="264674"/>
+              </a:xfrm>
+              <a:prstGeom prst="rect">
+                <a:avLst/>
+              </a:prstGeom>
+              <a:blipFill>
+                <a:blip r:embed="rId6"/>
+                <a:stretch>
+                  <a:fillRect r="-16279" b="-47727"/>
+                </a:stretch>
+              </a:blipFill>
+            </p:spPr>
+            <p:txBody>
+              <a:bodyPr/>
+              <a:lstStyle/>
+              <a:p>
+                <a:r>
+                  <a:rPr lang="en-US">
+                    <a:noFill/>
+                  </a:rPr>
+                  <a:t> </a:t>
+                </a:r>
+              </a:p>
+            </p:txBody>
+          </p:sp>
+        </mc:Fallback>
+      </mc:AlternateContent>
+      <p:sp>
+        <p:nvSpPr>
+          <p:cNvPr id="11" name="Rectangle 10">
+            <a:extLst>
+              <a:ext uri="{FF2B5EF4-FFF2-40B4-BE49-F238E27FC236}">
+                <a16:creationId xmlns:a16="http://schemas.microsoft.com/office/drawing/2014/main" id="{83A84ACD-F0D7-4F9C-B71F-07D4D3A24699}"/>
+              </a:ext>
+            </a:extLst>
+          </p:cNvPr>
+          <p:cNvSpPr/>
+          <p:nvPr/>
+        </p:nvSpPr>
+        <p:spPr>
+          <a:xfrm rot="2553373">
+            <a:off x="6560520" y="2928741"/>
+            <a:ext cx="152400" cy="2743465"/>
+          </a:xfrm>
+          <a:prstGeom prst="rect">
+            <a:avLst/>
+          </a:prstGeom>
+        </p:spPr>
+        <p:style>
+          <a:lnRef idx="1">
+            <a:schemeClr val="dk1"/>
+          </a:lnRef>
+          <a:fillRef idx="2">
+            <a:schemeClr val="dk1"/>
+          </a:fillRef>
+          <a:effectRef idx="1">
+            <a:schemeClr val="dk1"/>
+          </a:effectRef>
+          <a:fontRef idx="minor">
+            <a:schemeClr val="dk1"/>
+          </a:fontRef>
+        </p:style>
+        <p:txBody>
+          <a:bodyPr rtlCol="0" anchor="ctr"/>
+          <a:lstStyle/>
+          <a:p>
+            <a:pPr algn="ctr"/>
+            <a:endParaRPr lang="en-US"/>
+          </a:p>
+        </p:txBody>
+      </p:sp>
+      <mc:AlternateContent xmlns:mc="http://schemas.openxmlformats.org/markup-compatibility/2006">
+        <mc:Choice xmlns:a14="http://schemas.microsoft.com/office/drawing/2010/main" Requires="a14">
+          <p:sp>
+            <p:nvSpPr>
+              <p:cNvPr id="16" name="TextBox 15">
+                <a:extLst>
+                  <a:ext uri="{FF2B5EF4-FFF2-40B4-BE49-F238E27FC236}">
+                    <a16:creationId xmlns:a16="http://schemas.microsoft.com/office/drawing/2014/main" id="{616747C6-1F57-441A-A814-D70774105BBD}"/>
+                  </a:ext>
+                </a:extLst>
+              </p:cNvPr>
+              <p:cNvSpPr txBox="1"/>
+              <p:nvPr/>
+            </p:nvSpPr>
+            <p:spPr>
+              <a:xfrm>
+                <a:off x="6355104" y="4906652"/>
+                <a:ext cx="563231" cy="362984"/>
+              </a:xfrm>
+              <a:prstGeom prst="rect">
+                <a:avLst/>
+              </a:prstGeom>
+              <a:solidFill>
+                <a:schemeClr val="bg1"/>
+              </a:solidFill>
+            </p:spPr>
+            <p:txBody>
+              <a:bodyPr wrap="none" rtlCol="0">
+                <a:spAutoFit/>
+              </a:bodyPr>
+              <a:lstStyle/>
+              <a:p>
+                <a:pPr/>
+                <a14:m>
+                  <m:oMathPara xmlns:m="http://schemas.openxmlformats.org/officeDocument/2006/math">
+                    <m:oMathParaPr>
+                      <m:jc m:val="centerGroup"/>
+                    </m:oMathParaPr>
+                    <m:oMath xmlns:m="http://schemas.openxmlformats.org/officeDocument/2006/math">
+                      <m:r>
+                        <a:rPr lang="en-US" b="0" i="1" smtClean="0">
+                          <a:solidFill>
+                            <a:schemeClr val="accent1"/>
+                          </a:solidFill>
+                          <a:latin typeface="Cambria Math" panose="02040503050406030204" pitchFamily="18" charset="0"/>
+                        </a:rPr>
+                        <m:t>45</m:t>
+                      </m:r>
+                      <m:r>
+                        <a:rPr lang="en-US" b="0" i="1" baseline="30000" smtClean="0">
+                          <a:solidFill>
+                            <a:schemeClr val="accent1"/>
+                          </a:solidFill>
+                          <a:latin typeface="Cambria Math" panose="02040503050406030204" pitchFamily="18" charset="0"/>
+                        </a:rPr>
+                        <m:t>𝑜</m:t>
+                      </m:r>
+                    </m:oMath>
+                  </m:oMathPara>
+                </a14:m>
+                <a:endParaRPr lang="en-US" baseline="30000" dirty="0">
+                  <a:solidFill>
+                    <a:schemeClr val="accent1"/>
+                  </a:solidFill>
+                </a:endParaRPr>
+              </a:p>
+            </p:txBody>
+          </p:sp>
+        </mc:Choice>
+        <mc:Fallback>
+          <p:sp>
+            <p:nvSpPr>
+              <p:cNvPr id="16" name="TextBox 15">
+                <a:extLst>
+                  <a:ext uri="{FF2B5EF4-FFF2-40B4-BE49-F238E27FC236}">
+                    <a16:creationId xmlns:a16="http://schemas.microsoft.com/office/drawing/2014/main" id="{616747C6-1F57-441A-A814-D70774105BBD}"/>
+                  </a:ext>
+                </a:extLst>
+              </p:cNvPr>
+              <p:cNvSpPr txBox="1">
+                <a:spLocks noRot="1" noChangeAspect="1" noMove="1" noResize="1" noEditPoints="1" noAdjustHandles="1" noChangeArrowheads="1" noChangeShapeType="1" noTextEdit="1"/>
+              </p:cNvSpPr>
+              <p:nvPr/>
+            </p:nvSpPr>
+            <p:spPr>
+              <a:xfrm>
+                <a:off x="6355104" y="4906652"/>
+                <a:ext cx="563231" cy="362984"/>
+              </a:xfrm>
+              <a:prstGeom prst="rect">
+                <a:avLst/>
+              </a:prstGeom>
+              <a:blipFill>
+                <a:blip r:embed="rId7"/>
+                <a:stretch>
+                  <a:fillRect/>
+                </a:stretch>
+              </a:blipFill>
+            </p:spPr>
+            <p:txBody>
+              <a:bodyPr/>
+              <a:lstStyle/>
+              <a:p>
+                <a:r>
+                  <a:rPr lang="en-US">
+                    <a:noFill/>
+                  </a:rPr>
+                  <a:t> </a:t>
+                </a:r>
+              </a:p>
+            </p:txBody>
+          </p:sp>
+        </mc:Fallback>
+      </mc:AlternateContent>
+      <p:sp>
+        <p:nvSpPr>
+          <p:cNvPr id="17" name="Arc 16">
+            <a:extLst>
+              <a:ext uri="{FF2B5EF4-FFF2-40B4-BE49-F238E27FC236}">
+                <a16:creationId xmlns:a16="http://schemas.microsoft.com/office/drawing/2014/main" id="{18B8EC19-86BF-4FC2-B7F4-EFE9574B210A}"/>
+              </a:ext>
+            </a:extLst>
+          </p:cNvPr>
+          <p:cNvSpPr/>
+          <p:nvPr/>
+        </p:nvSpPr>
+        <p:spPr>
+          <a:xfrm>
+            <a:off x="5104518" y="4656012"/>
+            <a:ext cx="1295515" cy="1310571"/>
+          </a:xfrm>
+          <a:prstGeom prst="arc">
+            <a:avLst>
+              <a:gd name="adj1" fmla="val 18477729"/>
+              <a:gd name="adj2" fmla="val 0"/>
+            </a:avLst>
+          </a:prstGeom>
+        </p:spPr>
+        <p:style>
+          <a:lnRef idx="1">
+            <a:schemeClr val="accent1"/>
+          </a:lnRef>
+          <a:fillRef idx="0">
+            <a:schemeClr val="accent1"/>
+          </a:fillRef>
+          <a:effectRef idx="0">
+            <a:schemeClr val="accent1"/>
+          </a:effectRef>
+          <a:fontRef idx="minor">
+            <a:schemeClr val="tx1"/>
+          </a:fontRef>
+        </p:style>
+        <p:txBody>
+          <a:bodyPr rtlCol="0" anchor="ctr"/>
+          <a:lstStyle/>
+          <a:p>
+            <a:pPr algn="ctr"/>
+            <a:endParaRPr lang="en-US"/>
+          </a:p>
+        </p:txBody>
+      </p:sp>
+      <p:cxnSp>
+        <p:nvCxnSpPr>
+          <p:cNvPr id="18" name="Straight Connector 17">
+            <a:extLst>
+              <a:ext uri="{FF2B5EF4-FFF2-40B4-BE49-F238E27FC236}">
+                <a16:creationId xmlns:a16="http://schemas.microsoft.com/office/drawing/2014/main" id="{DB9B0D74-1D0B-43C2-B4EA-70EB9F94E84B}"/>
+              </a:ext>
+            </a:extLst>
+          </p:cNvPr>
+          <p:cNvCxnSpPr/>
+          <p:nvPr/>
+        </p:nvCxnSpPr>
+        <p:spPr>
+          <a:xfrm>
+            <a:off x="5770745" y="5558353"/>
+            <a:ext cx="0" cy="873714"/>
+          </a:xfrm>
+          <a:prstGeom prst="line">
+            <a:avLst/>
+          </a:prstGeom>
+        </p:spPr>
+        <p:style>
+          <a:lnRef idx="1">
+            <a:schemeClr val="accent1"/>
+          </a:lnRef>
+          <a:fillRef idx="0">
+            <a:schemeClr val="accent1"/>
+          </a:fillRef>
+          <a:effectRef idx="0">
+            <a:schemeClr val="accent1"/>
+          </a:effectRef>
+          <a:fontRef idx="minor">
+            <a:schemeClr val="tx1"/>
+          </a:fontRef>
+        </p:style>
+      </p:cxnSp>
+      <p:cxnSp>
+        <p:nvCxnSpPr>
+          <p:cNvPr id="19" name="Straight Connector 18">
+            <a:extLst>
+              <a:ext uri="{FF2B5EF4-FFF2-40B4-BE49-F238E27FC236}">
+                <a16:creationId xmlns:a16="http://schemas.microsoft.com/office/drawing/2014/main" id="{5506953E-C97C-4A3A-A5D8-E2C009EF9F4B}"/>
+              </a:ext>
+            </a:extLst>
+          </p:cNvPr>
+          <p:cNvCxnSpPr>
+            <a:cxnSpLocks/>
+          </p:cNvCxnSpPr>
+          <p:nvPr/>
+        </p:nvCxnSpPr>
+        <p:spPr>
+          <a:xfrm>
+            <a:off x="1567884" y="6031539"/>
+            <a:ext cx="4202861" cy="0"/>
+          </a:xfrm>
+          <a:prstGeom prst="line">
+            <a:avLst/>
+          </a:prstGeom>
+        </p:spPr>
+        <p:style>
+          <a:lnRef idx="1">
+            <a:schemeClr val="accent1"/>
+          </a:lnRef>
+          <a:fillRef idx="0">
+            <a:schemeClr val="accent1"/>
+          </a:fillRef>
+          <a:effectRef idx="0">
+            <a:schemeClr val="accent1"/>
+          </a:effectRef>
+          <a:fontRef idx="minor">
+            <a:schemeClr val="tx1"/>
+          </a:fontRef>
+        </p:style>
+      </p:cxnSp>
+      <mc:AlternateContent xmlns:mc="http://schemas.openxmlformats.org/markup-compatibility/2006">
+        <mc:Choice xmlns:a14="http://schemas.microsoft.com/office/drawing/2010/main" Requires="a14">
+          <p:sp>
+            <p:nvSpPr>
+              <p:cNvPr id="20" name="TextBox 19">
+                <a:extLst>
+                  <a:ext uri="{FF2B5EF4-FFF2-40B4-BE49-F238E27FC236}">
+                    <a16:creationId xmlns:a16="http://schemas.microsoft.com/office/drawing/2014/main" id="{CE360AE5-D61B-47D4-B6DE-7A536D417EAE}"/>
+                  </a:ext>
+                </a:extLst>
+              </p:cNvPr>
+              <p:cNvSpPr txBox="1"/>
+              <p:nvPr/>
+            </p:nvSpPr>
+            <p:spPr>
+              <a:xfrm>
+                <a:off x="3279092" y="5846873"/>
+                <a:ext cx="743280" cy="369332"/>
+              </a:xfrm>
+              <a:prstGeom prst="rect">
+                <a:avLst/>
+              </a:prstGeom>
+              <a:solidFill>
+                <a:schemeClr val="bg1"/>
+              </a:solidFill>
+            </p:spPr>
+            <p:txBody>
+              <a:bodyPr wrap="none" rtlCol="0">
+                <a:spAutoFit/>
+              </a:bodyPr>
+              <a:lstStyle/>
+              <a:p>
+                <a:pPr/>
+                <a14:m>
+                  <m:oMathPara xmlns:m="http://schemas.openxmlformats.org/officeDocument/2006/math">
+                    <m:oMathParaPr>
+                      <m:jc m:val="centerGroup"/>
+                    </m:oMathParaPr>
+                    <m:oMath xmlns:m="http://schemas.openxmlformats.org/officeDocument/2006/math">
+                      <m:r>
+                        <a:rPr lang="en-US" b="0" i="1" smtClean="0">
+                          <a:solidFill>
+                            <a:schemeClr val="accent1"/>
+                          </a:solidFill>
+                          <a:latin typeface="Cambria Math" panose="02040503050406030204" pitchFamily="18" charset="0"/>
+                        </a:rPr>
+                        <m:t>20 </m:t>
+                      </m:r>
+                      <m:r>
+                        <a:rPr lang="en-US" b="0" i="1" smtClean="0">
+                          <a:solidFill>
+                            <a:schemeClr val="accent1"/>
+                          </a:solidFill>
+                          <a:latin typeface="Cambria Math" panose="02040503050406030204" pitchFamily="18" charset="0"/>
+                        </a:rPr>
+                        <m:t>𝑚</m:t>
+                      </m:r>
+                    </m:oMath>
+                  </m:oMathPara>
+                </a14:m>
+                <a:endParaRPr lang="en-US" dirty="0">
+                  <a:solidFill>
+                    <a:schemeClr val="accent1"/>
+                  </a:solidFill>
+                </a:endParaRPr>
+              </a:p>
+            </p:txBody>
+          </p:sp>
+        </mc:Choice>
+        <mc:Fallback>
+          <p:sp>
+            <p:nvSpPr>
+              <p:cNvPr id="20" name="TextBox 19">
+                <a:extLst>
+                  <a:ext uri="{FF2B5EF4-FFF2-40B4-BE49-F238E27FC236}">
+                    <a16:creationId xmlns:a16="http://schemas.microsoft.com/office/drawing/2014/main" id="{CE360AE5-D61B-47D4-B6DE-7A536D417EAE}"/>
+                  </a:ext>
+                </a:extLst>
+              </p:cNvPr>
+              <p:cNvSpPr txBox="1">
+                <a:spLocks noRot="1" noChangeAspect="1" noMove="1" noResize="1" noEditPoints="1" noAdjustHandles="1" noChangeArrowheads="1" noChangeShapeType="1" noTextEdit="1"/>
+              </p:cNvSpPr>
+              <p:nvPr/>
+            </p:nvSpPr>
+            <p:spPr>
+              <a:xfrm>
+                <a:off x="3279092" y="5846873"/>
+                <a:ext cx="743280" cy="369332"/>
+              </a:xfrm>
+              <a:prstGeom prst="rect">
+                <a:avLst/>
+              </a:prstGeom>
+              <a:blipFill>
+                <a:blip r:embed="rId8"/>
+                <a:stretch>
+                  <a:fillRect/>
+                </a:stretch>
+              </a:blipFill>
+            </p:spPr>
+            <p:txBody>
+              <a:bodyPr/>
+              <a:lstStyle/>
+              <a:p>
+                <a:r>
+                  <a:rPr lang="en-US">
+                    <a:noFill/>
+                  </a:rPr>
+                  <a:t> </a:t>
+                </a:r>
+              </a:p>
+            </p:txBody>
+          </p:sp>
+        </mc:Fallback>
+      </mc:AlternateContent>
+      <p:cxnSp>
+        <p:nvCxnSpPr>
+          <p:cNvPr id="22" name="Straight Connector 21">
+            <a:extLst>
+              <a:ext uri="{FF2B5EF4-FFF2-40B4-BE49-F238E27FC236}">
+                <a16:creationId xmlns:a16="http://schemas.microsoft.com/office/drawing/2014/main" id="{F6422430-315B-4910-98CD-BE25ADC3640D}"/>
+              </a:ext>
+            </a:extLst>
+          </p:cNvPr>
+          <p:cNvCxnSpPr/>
+          <p:nvPr/>
+        </p:nvCxnSpPr>
+        <p:spPr>
+          <a:xfrm>
+            <a:off x="1559787" y="5558353"/>
+            <a:ext cx="0" cy="873714"/>
+          </a:xfrm>
+          <a:prstGeom prst="line">
+            <a:avLst/>
+          </a:prstGeom>
+        </p:spPr>
+        <p:style>
+          <a:lnRef idx="1">
+            <a:schemeClr val="accent1"/>
+          </a:lnRef>
+          <a:fillRef idx="0">
+            <a:schemeClr val="accent1"/>
+          </a:fillRef>
+          <a:effectRef idx="0">
+            <a:schemeClr val="accent1"/>
+          </a:effectRef>
+          <a:fontRef idx="minor">
+            <a:schemeClr val="tx1"/>
+          </a:fontRef>
+        </p:style>
+      </p:cxnSp>
+    </p:spTree>
+    <p:extLst>
+      <p:ext uri="{BB962C8B-B14F-4D97-AF65-F5344CB8AC3E}">
+        <p14:creationId xmlns:p14="http://schemas.microsoft.com/office/powerpoint/2010/main" val="4070576958"/>
+      </p:ext>
+    </p:extLst>
+  </p:cSld>
+  <p:clrMapOvr>
+    <a:masterClrMapping/>
+  </p:clrMapOvr>
+</p:sld>
+</file>
+
+<file path=ppt/slides/slide12.xml><?xml version="1.0" encoding="utf-8"?>
+<p:sld xmlns:a="http://schemas.openxmlformats.org/drawingml/2006/main" xmlns:r="http://schemas.openxmlformats.org/officeDocument/2006/relationships" xmlns:p="http://schemas.openxmlformats.org/presentationml/2006/main">
+  <p:cSld>
+    <p:spTree>
+      <p:nvGrpSpPr>
+        <p:cNvPr id="1" name=""/>
+        <p:cNvGrpSpPr/>
+        <p:nvPr/>
+      </p:nvGrpSpPr>
+      <p:grpSpPr>
+        <a:xfrm>
+          <a:off x="0" y="0"/>
+          <a:ext cx="0" cy="0"/>
+          <a:chOff x="0" y="0"/>
+          <a:chExt cx="0" cy="0"/>
+        </a:xfrm>
+      </p:grpSpPr>
+      <p:sp>
+        <p:nvSpPr>
+          <p:cNvPr id="7" name="Rectangle 6">
+            <a:extLst>
+              <a:ext uri="{FF2B5EF4-FFF2-40B4-BE49-F238E27FC236}">
+                <a16:creationId xmlns:a16="http://schemas.microsoft.com/office/drawing/2014/main" id="{C534752E-EC3E-4030-AC89-321D82BE89C6}"/>
+              </a:ext>
+            </a:extLst>
+          </p:cNvPr>
+          <p:cNvSpPr/>
+          <p:nvPr/>
+        </p:nvSpPr>
+        <p:spPr>
+          <a:xfrm>
+            <a:off x="0" y="6356350"/>
+            <a:ext cx="9144000" cy="501650"/>
+          </a:xfrm>
+          <a:prstGeom prst="rect">
+            <a:avLst/>
+          </a:prstGeom>
+          <a:solidFill>
+            <a:schemeClr val="accent3">
+              <a:lumMod val="40000"/>
+              <a:lumOff val="60000"/>
+            </a:schemeClr>
+          </a:solidFill>
+          <a:ln>
+            <a:solidFill>
+              <a:schemeClr val="accent3">
+                <a:lumMod val="75000"/>
+              </a:schemeClr>
+            </a:solidFill>
+          </a:ln>
+        </p:spPr>
+        <p:style>
+          <a:lnRef idx="2">
+            <a:schemeClr val="accent6">
+              <a:shade val="50000"/>
+            </a:schemeClr>
+          </a:lnRef>
+          <a:fillRef idx="1">
+            <a:schemeClr val="accent6"/>
+          </a:fillRef>
+          <a:effectRef idx="0">
+            <a:schemeClr val="accent6"/>
+          </a:effectRef>
+          <a:fontRef idx="minor">
+            <a:schemeClr val="lt1"/>
+          </a:fontRef>
+        </p:style>
+        <p:txBody>
+          <a:bodyPr rtlCol="0" anchor="ctr"/>
+          <a:lstStyle/>
+          <a:p>
+            <a:pPr algn="ctr"/>
+            <a:endParaRPr lang="en-US"/>
+          </a:p>
+        </p:txBody>
+      </p:sp>
+      <p:sp>
+        <p:nvSpPr>
+          <p:cNvPr id="2" name="Title 1">
+            <a:extLst>
+              <a:ext uri="{FF2B5EF4-FFF2-40B4-BE49-F238E27FC236}">
+                <a16:creationId xmlns:a16="http://schemas.microsoft.com/office/drawing/2014/main" id="{4FD58EF2-A4B3-482D-9058-6DC8626FA3ED}"/>
+              </a:ext>
+            </a:extLst>
+          </p:cNvPr>
+          <p:cNvSpPr>
+            <a:spLocks noGrp="1"/>
+          </p:cNvSpPr>
+          <p:nvPr>
+            <p:ph type="title"/>
+          </p:nvPr>
+        </p:nvSpPr>
+        <p:spPr/>
+        <p:txBody>
+          <a:bodyPr/>
+          <a:lstStyle/>
+          <a:p>
+            <a:r>
+              <a:rPr lang="en-US" dirty="0"/>
+              <a:t>Worked Example</a:t>
+            </a:r>
+          </a:p>
+        </p:txBody>
+      </p:sp>
+      <p:sp>
+        <p:nvSpPr>
+          <p:cNvPr id="3" name="Content Placeholder 2">
+            <a:extLst>
+              <a:ext uri="{FF2B5EF4-FFF2-40B4-BE49-F238E27FC236}">
+                <a16:creationId xmlns:a16="http://schemas.microsoft.com/office/drawing/2014/main" id="{F4A86FA8-9566-47FD-B49F-61B708B954CD}"/>
+              </a:ext>
+            </a:extLst>
+          </p:cNvPr>
+          <p:cNvSpPr>
+            <a:spLocks noGrp="1"/>
+          </p:cNvSpPr>
+          <p:nvPr>
+            <p:ph idx="1"/>
+          </p:nvPr>
+        </p:nvSpPr>
+        <p:spPr>
+          <a:xfrm>
+            <a:off x="457200" y="1425025"/>
+            <a:ext cx="8229600" cy="2232575"/>
+          </a:xfrm>
+        </p:spPr>
+        <p:txBody>
+          <a:bodyPr>
+            <a:normAutofit fontScale="70000" lnSpcReduction="20000"/>
+          </a:bodyPr>
+          <a:lstStyle/>
+          <a:p>
+            <a:r>
+              <a:rPr lang="en-US" dirty="0"/>
+              <a:t>You are designing an artillery system with the aim of hitting a target 20 km away with two shells at the same time.</a:t>
+            </a:r>
+          </a:p>
+          <a:p>
+            <a:pPr lvl="1"/>
+            <a:r>
+              <a:rPr lang="en-US" dirty="0"/>
+              <a:t>The first shot will be fired at a 50-degree angle. What is the required initial velocity needed to hit the target? Assume air resistance is negligible.</a:t>
+            </a:r>
+          </a:p>
+          <a:p>
+            <a:pPr lvl="1"/>
+            <a:r>
+              <a:rPr lang="en-US" dirty="0"/>
+              <a:t>The second shot will be fired five seconds after the first. What is the required initial velocity and angle to hit the target at the same time as the first shot?</a:t>
+            </a:r>
+          </a:p>
+        </p:txBody>
+      </p:sp>
+      <p:sp>
+        <p:nvSpPr>
+          <p:cNvPr id="4" name="Slide Number Placeholder 3">
+            <a:extLst>
+              <a:ext uri="{FF2B5EF4-FFF2-40B4-BE49-F238E27FC236}">
+                <a16:creationId xmlns:a16="http://schemas.microsoft.com/office/drawing/2014/main" id="{E997F2F7-97FF-4C55-A286-E480428D0A54}"/>
+              </a:ext>
+            </a:extLst>
+          </p:cNvPr>
+          <p:cNvSpPr>
+            <a:spLocks noGrp="1"/>
+          </p:cNvSpPr>
+          <p:nvPr>
+            <p:ph type="sldNum" sz="quarter" idx="12"/>
+          </p:nvPr>
+        </p:nvSpPr>
+        <p:spPr/>
+        <p:txBody>
+          <a:bodyPr/>
+          <a:lstStyle/>
+          <a:p>
+            <a:fld id="{929262FE-7F58-4A1E-8AF3-5A510A86DEBD}" type="slidenum">
+              <a:rPr lang="en-US" smtClean="0"/>
+              <a:t>12</a:t>
+            </a:fld>
+            <a:endParaRPr lang="en-US"/>
+          </a:p>
+        </p:txBody>
+      </p:sp>
+      <p:pic>
+        <p:nvPicPr>
+          <p:cNvPr id="5" name="Picture 2" descr="Image result for tank clip art">
+            <a:extLst>
+              <a:ext uri="{FF2B5EF4-FFF2-40B4-BE49-F238E27FC236}">
+                <a16:creationId xmlns:a16="http://schemas.microsoft.com/office/drawing/2014/main" id="{2636B6AE-D9DA-4535-8A90-FA3A776B2BC5}"/>
+              </a:ext>
+            </a:extLst>
+          </p:cNvPr>
+          <p:cNvPicPr>
+            <a:picLocks noChangeAspect="1" noChangeArrowheads="1"/>
+          </p:cNvPicPr>
+          <p:nvPr/>
+        </p:nvPicPr>
+        <p:blipFill>
+          <a:blip r:embed="rId2" cstate="print">
+            <a:extLst>
+              <a:ext uri="{28A0092B-C50C-407E-A947-70E740481C1C}">
+                <a14:useLocalDpi xmlns:a14="http://schemas.microsoft.com/office/drawing/2010/main" val="0"/>
+              </a:ext>
+            </a:extLst>
+          </a:blip>
+          <a:srcRect/>
+          <a:stretch>
+            <a:fillRect/>
+          </a:stretch>
+        </p:blipFill>
+        <p:spPr bwMode="auto">
+          <a:xfrm flipH="1">
+            <a:off x="1219200" y="6033086"/>
+            <a:ext cx="654475" cy="380414"/>
+          </a:xfrm>
+          <a:prstGeom prst="rect">
+            <a:avLst/>
+          </a:prstGeom>
+          <a:noFill/>
+          <a:extLst>
+            <a:ext uri="{909E8E84-426E-40DD-AFC4-6F175D3DCCD1}">
+              <a14:hiddenFill xmlns:a14="http://schemas.microsoft.com/office/drawing/2010/main">
+                <a:solidFill>
+                  <a:srgbClr val="FFFFFF"/>
+                </a:solidFill>
+              </a14:hiddenFill>
+            </a:ext>
+          </a:extLst>
+        </p:spPr>
+      </p:pic>
+      <p:sp>
+        <p:nvSpPr>
+          <p:cNvPr id="12" name="Freeform: Shape 11">
+            <a:extLst>
+              <a:ext uri="{FF2B5EF4-FFF2-40B4-BE49-F238E27FC236}">
+                <a16:creationId xmlns:a16="http://schemas.microsoft.com/office/drawing/2014/main" id="{967D7ADE-1722-431D-8BBF-54341B6CE022}"/>
+              </a:ext>
+            </a:extLst>
+          </p:cNvPr>
+          <p:cNvSpPr/>
+          <p:nvPr/>
+        </p:nvSpPr>
+        <p:spPr>
+          <a:xfrm>
+            <a:off x="1781175" y="4327513"/>
+            <a:ext cx="6581775" cy="2085987"/>
+          </a:xfrm>
+          <a:custGeom>
+            <a:avLst/>
+            <a:gdLst>
+              <a:gd name="connsiteX0" fmla="*/ 0 w 6581775"/>
+              <a:gd name="connsiteY0" fmla="*/ 1676412 h 2085987"/>
+              <a:gd name="connsiteX1" fmla="*/ 1381125 w 6581775"/>
+              <a:gd name="connsiteY1" fmla="*/ 428637 h 2085987"/>
+              <a:gd name="connsiteX2" fmla="*/ 2971800 w 6581775"/>
+              <a:gd name="connsiteY2" fmla="*/ 12 h 2085987"/>
+              <a:gd name="connsiteX3" fmla="*/ 4629150 w 6581775"/>
+              <a:gd name="connsiteY3" fmla="*/ 438162 h 2085987"/>
+              <a:gd name="connsiteX4" fmla="*/ 6581775 w 6581775"/>
+              <a:gd name="connsiteY4" fmla="*/ 2085987 h 2085987"/>
+            </a:gdLst>
+            <a:ahLst/>
+            <a:cxnLst>
+              <a:cxn ang="0">
+                <a:pos x="connsiteX0" y="connsiteY0"/>
+              </a:cxn>
+              <a:cxn ang="0">
+                <a:pos x="connsiteX1" y="connsiteY1"/>
+              </a:cxn>
+              <a:cxn ang="0">
+                <a:pos x="connsiteX2" y="connsiteY2"/>
+              </a:cxn>
+              <a:cxn ang="0">
+                <a:pos x="connsiteX3" y="connsiteY3"/>
+              </a:cxn>
+              <a:cxn ang="0">
+                <a:pos x="connsiteX4" y="connsiteY4"/>
+              </a:cxn>
+            </a:cxnLst>
+            <a:rect l="l" t="t" r="r" b="b"/>
+            <a:pathLst>
+              <a:path w="6581775" h="2085987">
+                <a:moveTo>
+                  <a:pt x="0" y="1676412"/>
+                </a:moveTo>
+                <a:cubicBezTo>
+                  <a:pt x="442912" y="1192224"/>
+                  <a:pt x="885825" y="708037"/>
+                  <a:pt x="1381125" y="428637"/>
+                </a:cubicBezTo>
+                <a:cubicBezTo>
+                  <a:pt x="1876425" y="149237"/>
+                  <a:pt x="2430463" y="-1575"/>
+                  <a:pt x="2971800" y="12"/>
+                </a:cubicBezTo>
+                <a:cubicBezTo>
+                  <a:pt x="3513137" y="1599"/>
+                  <a:pt x="4027488" y="90500"/>
+                  <a:pt x="4629150" y="438162"/>
+                </a:cubicBezTo>
+                <a:cubicBezTo>
+                  <a:pt x="5230812" y="785824"/>
+                  <a:pt x="6443663" y="2033600"/>
+                  <a:pt x="6581775" y="2085987"/>
+                </a:cubicBezTo>
+              </a:path>
+            </a:pathLst>
+          </a:custGeom>
+          <a:noFill/>
+          <a:ln>
+            <a:prstDash val="dash"/>
+          </a:ln>
+        </p:spPr>
+        <p:style>
+          <a:lnRef idx="2">
+            <a:schemeClr val="accent1">
+              <a:shade val="50000"/>
+            </a:schemeClr>
+          </a:lnRef>
+          <a:fillRef idx="1">
+            <a:schemeClr val="accent1"/>
+          </a:fillRef>
+          <a:effectRef idx="0">
+            <a:schemeClr val="accent1"/>
+          </a:effectRef>
+          <a:fontRef idx="minor">
+            <a:schemeClr val="lt1"/>
+          </a:fontRef>
+        </p:style>
+        <p:txBody>
+          <a:bodyPr rtlCol="0" anchor="ctr"/>
+          <a:lstStyle/>
+          <a:p>
+            <a:pPr algn="ctr"/>
+            <a:endParaRPr lang="en-US"/>
+          </a:p>
+        </p:txBody>
+      </p:sp>
+      <p:sp>
+        <p:nvSpPr>
+          <p:cNvPr id="13" name="Freeform: Shape 12">
+            <a:extLst>
+              <a:ext uri="{FF2B5EF4-FFF2-40B4-BE49-F238E27FC236}">
+                <a16:creationId xmlns:a16="http://schemas.microsoft.com/office/drawing/2014/main" id="{29333512-EC21-4DA8-92AB-71CFB4F6E8A4}"/>
+              </a:ext>
+            </a:extLst>
+          </p:cNvPr>
+          <p:cNvSpPr/>
+          <p:nvPr/>
+        </p:nvSpPr>
+        <p:spPr>
+          <a:xfrm>
+            <a:off x="1752600" y="5105400"/>
+            <a:ext cx="6581775" cy="1250950"/>
+          </a:xfrm>
+          <a:custGeom>
+            <a:avLst/>
+            <a:gdLst>
+              <a:gd name="connsiteX0" fmla="*/ 0 w 6581775"/>
+              <a:gd name="connsiteY0" fmla="*/ 1676412 h 2085987"/>
+              <a:gd name="connsiteX1" fmla="*/ 1381125 w 6581775"/>
+              <a:gd name="connsiteY1" fmla="*/ 428637 h 2085987"/>
+              <a:gd name="connsiteX2" fmla="*/ 2971800 w 6581775"/>
+              <a:gd name="connsiteY2" fmla="*/ 12 h 2085987"/>
+              <a:gd name="connsiteX3" fmla="*/ 4629150 w 6581775"/>
+              <a:gd name="connsiteY3" fmla="*/ 438162 h 2085987"/>
+              <a:gd name="connsiteX4" fmla="*/ 6581775 w 6581775"/>
+              <a:gd name="connsiteY4" fmla="*/ 2085987 h 2085987"/>
+            </a:gdLst>
+            <a:ahLst/>
+            <a:cxnLst>
+              <a:cxn ang="0">
+                <a:pos x="connsiteX0" y="connsiteY0"/>
+              </a:cxn>
+              <a:cxn ang="0">
+                <a:pos x="connsiteX1" y="connsiteY1"/>
+              </a:cxn>
+              <a:cxn ang="0">
+                <a:pos x="connsiteX2" y="connsiteY2"/>
+              </a:cxn>
+              <a:cxn ang="0">
+                <a:pos x="connsiteX3" y="connsiteY3"/>
+              </a:cxn>
+              <a:cxn ang="0">
+                <a:pos x="connsiteX4" y="connsiteY4"/>
+              </a:cxn>
+            </a:cxnLst>
+            <a:rect l="l" t="t" r="r" b="b"/>
+            <a:pathLst>
+              <a:path w="6581775" h="2085987">
+                <a:moveTo>
+                  <a:pt x="0" y="1676412"/>
+                </a:moveTo>
+                <a:cubicBezTo>
+                  <a:pt x="442912" y="1192224"/>
+                  <a:pt x="885825" y="708037"/>
+                  <a:pt x="1381125" y="428637"/>
+                </a:cubicBezTo>
+                <a:cubicBezTo>
+                  <a:pt x="1876425" y="149237"/>
+                  <a:pt x="2430463" y="-1575"/>
+                  <a:pt x="2971800" y="12"/>
+                </a:cubicBezTo>
+                <a:cubicBezTo>
+                  <a:pt x="3513137" y="1599"/>
+                  <a:pt x="4027488" y="90500"/>
+                  <a:pt x="4629150" y="438162"/>
+                </a:cubicBezTo>
+                <a:cubicBezTo>
+                  <a:pt x="5230812" y="785824"/>
+                  <a:pt x="6443663" y="2033600"/>
+                  <a:pt x="6581775" y="2085987"/>
+                </a:cubicBezTo>
+              </a:path>
+            </a:pathLst>
+          </a:custGeom>
+          <a:noFill/>
+          <a:ln>
+            <a:prstDash val="dash"/>
+          </a:ln>
+        </p:spPr>
+        <p:style>
+          <a:lnRef idx="2">
+            <a:schemeClr val="accent1">
+              <a:shade val="50000"/>
+            </a:schemeClr>
+          </a:lnRef>
+          <a:fillRef idx="1">
+            <a:schemeClr val="accent1"/>
+          </a:fillRef>
+          <a:effectRef idx="0">
+            <a:schemeClr val="accent1"/>
+          </a:effectRef>
+          <a:fontRef idx="minor">
+            <a:schemeClr val="lt1"/>
+          </a:fontRef>
+        </p:style>
+        <p:txBody>
+          <a:bodyPr rtlCol="0" anchor="ctr"/>
+          <a:lstStyle/>
+          <a:p>
+            <a:pPr algn="ctr"/>
+            <a:endParaRPr lang="en-US"/>
+          </a:p>
+        </p:txBody>
+      </p:sp>
+      <p:cxnSp>
+        <p:nvCxnSpPr>
+          <p:cNvPr id="14" name="Straight Connector 13">
+            <a:extLst>
+              <a:ext uri="{FF2B5EF4-FFF2-40B4-BE49-F238E27FC236}">
+                <a16:creationId xmlns:a16="http://schemas.microsoft.com/office/drawing/2014/main" id="{C7BF9A54-FE23-4BC4-ADA4-29A0E9212050}"/>
+              </a:ext>
+            </a:extLst>
+          </p:cNvPr>
+          <p:cNvCxnSpPr>
+            <a:cxnSpLocks/>
+          </p:cNvCxnSpPr>
+          <p:nvPr/>
+        </p:nvCxnSpPr>
+        <p:spPr>
+          <a:xfrm>
+            <a:off x="1514475" y="3943350"/>
+            <a:ext cx="6819900" cy="0"/>
+          </a:xfrm>
+          <a:prstGeom prst="line">
+            <a:avLst/>
+          </a:prstGeom>
+        </p:spPr>
+        <p:style>
+          <a:lnRef idx="1">
+            <a:schemeClr val="accent1"/>
+          </a:lnRef>
+          <a:fillRef idx="0">
+            <a:schemeClr val="accent1"/>
+          </a:fillRef>
+          <a:effectRef idx="0">
+            <a:schemeClr val="accent1"/>
+          </a:effectRef>
+          <a:fontRef idx="minor">
+            <a:schemeClr val="tx1"/>
+          </a:fontRef>
+        </p:style>
+      </p:cxnSp>
+      <mc:AlternateContent xmlns:mc="http://schemas.openxmlformats.org/markup-compatibility/2006">
+        <mc:Choice xmlns:a14="http://schemas.microsoft.com/office/drawing/2010/main" Requires="a14">
+          <p:sp>
+            <p:nvSpPr>
+              <p:cNvPr id="15" name="TextBox 14">
+                <a:extLst>
+                  <a:ext uri="{FF2B5EF4-FFF2-40B4-BE49-F238E27FC236}">
+                    <a16:creationId xmlns:a16="http://schemas.microsoft.com/office/drawing/2014/main" id="{985C0939-1891-483D-8D90-0A2AA79880C7}"/>
+                  </a:ext>
+                </a:extLst>
+              </p:cNvPr>
+              <p:cNvSpPr txBox="1"/>
+              <p:nvPr/>
+            </p:nvSpPr>
+            <p:spPr>
+              <a:xfrm>
+                <a:off x="4438650" y="3708950"/>
+                <a:ext cx="743280" cy="369332"/>
+              </a:xfrm>
+              <a:prstGeom prst="rect">
+                <a:avLst/>
+              </a:prstGeom>
+              <a:solidFill>
+                <a:schemeClr val="bg1"/>
+              </a:solidFill>
+            </p:spPr>
+            <p:txBody>
+              <a:bodyPr wrap="square" rtlCol="0">
+                <a:spAutoFit/>
+              </a:bodyPr>
+              <a:lstStyle/>
+              <a:p>
+                <a:pPr/>
+                <a14:m>
+                  <m:oMathPara xmlns:m="http://schemas.openxmlformats.org/officeDocument/2006/math">
+                    <m:oMathParaPr>
+                      <m:jc m:val="centerGroup"/>
+                    </m:oMathParaPr>
+                    <m:oMath xmlns:m="http://schemas.openxmlformats.org/officeDocument/2006/math">
+                      <m:r>
+                        <a:rPr lang="en-US" b="0" i="1" smtClean="0">
+                          <a:solidFill>
+                            <a:schemeClr val="accent1"/>
+                          </a:solidFill>
+                          <a:latin typeface="Cambria Math" panose="02040503050406030204" pitchFamily="18" charset="0"/>
+                        </a:rPr>
+                        <m:t>20 </m:t>
+                      </m:r>
+                      <m:r>
+                        <a:rPr lang="en-US" b="0" i="1" smtClean="0">
+                          <a:solidFill>
+                            <a:schemeClr val="accent1"/>
+                          </a:solidFill>
+                          <a:latin typeface="Cambria Math" panose="02040503050406030204" pitchFamily="18" charset="0"/>
+                        </a:rPr>
+                        <m:t>𝑘𝑚</m:t>
+                      </m:r>
+                    </m:oMath>
+                  </m:oMathPara>
+                </a14:m>
+                <a:endParaRPr lang="en-US" dirty="0">
+                  <a:solidFill>
+                    <a:schemeClr val="accent1"/>
+                  </a:solidFill>
+                </a:endParaRPr>
+              </a:p>
+            </p:txBody>
+          </p:sp>
+        </mc:Choice>
+        <mc:Fallback>
+          <p:sp>
+            <p:nvSpPr>
+              <p:cNvPr id="15" name="TextBox 14">
+                <a:extLst>
+                  <a:ext uri="{FF2B5EF4-FFF2-40B4-BE49-F238E27FC236}">
+                    <a16:creationId xmlns:a16="http://schemas.microsoft.com/office/drawing/2014/main" id="{985C0939-1891-483D-8D90-0A2AA79880C7}"/>
+                  </a:ext>
+                </a:extLst>
+              </p:cNvPr>
+              <p:cNvSpPr txBox="1">
+                <a:spLocks noRot="1" noChangeAspect="1" noMove="1" noResize="1" noEditPoints="1" noAdjustHandles="1" noChangeArrowheads="1" noChangeShapeType="1" noTextEdit="1"/>
+              </p:cNvSpPr>
+              <p:nvPr/>
+            </p:nvSpPr>
+            <p:spPr>
+              <a:xfrm>
+                <a:off x="4438650" y="3708950"/>
+                <a:ext cx="743280" cy="369332"/>
+              </a:xfrm>
+              <a:prstGeom prst="rect">
+                <a:avLst/>
+              </a:prstGeom>
+              <a:blipFill>
+                <a:blip r:embed="rId3"/>
+                <a:stretch>
+                  <a:fillRect r="-8197"/>
+                </a:stretch>
+              </a:blipFill>
+            </p:spPr>
+            <p:txBody>
+              <a:bodyPr/>
+              <a:lstStyle/>
+              <a:p>
+                <a:r>
+                  <a:rPr lang="en-US">
+                    <a:noFill/>
+                  </a:rPr>
+                  <a:t> </a:t>
+                </a:r>
+              </a:p>
+            </p:txBody>
+          </p:sp>
+        </mc:Fallback>
+      </mc:AlternateContent>
+      <p:cxnSp>
+        <p:nvCxnSpPr>
+          <p:cNvPr id="16" name="Straight Connector 15">
+            <a:extLst>
+              <a:ext uri="{FF2B5EF4-FFF2-40B4-BE49-F238E27FC236}">
+                <a16:creationId xmlns:a16="http://schemas.microsoft.com/office/drawing/2014/main" id="{5097DCA8-ADCE-45E7-978C-FDC96F4F03DA}"/>
+              </a:ext>
+            </a:extLst>
+          </p:cNvPr>
+          <p:cNvCxnSpPr>
+            <a:cxnSpLocks/>
+          </p:cNvCxnSpPr>
+          <p:nvPr/>
+        </p:nvCxnSpPr>
+        <p:spPr>
+          <a:xfrm>
+            <a:off x="1515903" y="3807890"/>
+            <a:ext cx="0" cy="2279074"/>
+          </a:xfrm>
+          <a:prstGeom prst="line">
+            <a:avLst/>
+          </a:prstGeom>
+        </p:spPr>
+        <p:style>
+          <a:lnRef idx="1">
+            <a:schemeClr val="accent1"/>
+          </a:lnRef>
+          <a:fillRef idx="0">
+            <a:schemeClr val="accent1"/>
+          </a:fillRef>
+          <a:effectRef idx="0">
+            <a:schemeClr val="accent1"/>
+          </a:effectRef>
+          <a:fontRef idx="minor">
+            <a:schemeClr val="tx1"/>
+          </a:fontRef>
+        </p:style>
+      </p:cxnSp>
+      <p:cxnSp>
+        <p:nvCxnSpPr>
+          <p:cNvPr id="19" name="Straight Connector 18">
+            <a:extLst>
+              <a:ext uri="{FF2B5EF4-FFF2-40B4-BE49-F238E27FC236}">
+                <a16:creationId xmlns:a16="http://schemas.microsoft.com/office/drawing/2014/main" id="{603E8E99-D36F-46C1-B83B-DDBE009CE1D5}"/>
+              </a:ext>
+            </a:extLst>
+          </p:cNvPr>
+          <p:cNvCxnSpPr>
+            <a:cxnSpLocks/>
+          </p:cNvCxnSpPr>
+          <p:nvPr/>
+        </p:nvCxnSpPr>
+        <p:spPr>
+          <a:xfrm>
+            <a:off x="8334375" y="3657599"/>
+            <a:ext cx="0" cy="2587338"/>
+          </a:xfrm>
+          <a:prstGeom prst="line">
+            <a:avLst/>
+          </a:prstGeom>
+        </p:spPr>
+        <p:style>
+          <a:lnRef idx="1">
+            <a:schemeClr val="accent1"/>
+          </a:lnRef>
+          <a:fillRef idx="0">
+            <a:schemeClr val="accent1"/>
+          </a:fillRef>
+          <a:effectRef idx="0">
+            <a:schemeClr val="accent1"/>
+          </a:effectRef>
+          <a:fontRef idx="minor">
+            <a:schemeClr val="tx1"/>
+          </a:fontRef>
+        </p:style>
+      </p:cxnSp>
+      <mc:AlternateContent xmlns:mc="http://schemas.openxmlformats.org/markup-compatibility/2006">
+        <mc:Choice xmlns:a14="http://schemas.microsoft.com/office/drawing/2010/main" Requires="a14">
+          <p:sp>
+            <p:nvSpPr>
+              <p:cNvPr id="22" name="TextBox 21">
+                <a:extLst>
+                  <a:ext uri="{FF2B5EF4-FFF2-40B4-BE49-F238E27FC236}">
+                    <a16:creationId xmlns:a16="http://schemas.microsoft.com/office/drawing/2014/main" id="{DF19DD29-0AF3-455A-9067-C1D4845EC59A}"/>
+                  </a:ext>
+                </a:extLst>
+              </p:cNvPr>
+              <p:cNvSpPr txBox="1"/>
+              <p:nvPr/>
+            </p:nvSpPr>
+            <p:spPr>
+              <a:xfrm>
+                <a:off x="1618134" y="5099647"/>
+                <a:ext cx="1088311" cy="362984"/>
+              </a:xfrm>
+              <a:prstGeom prst="rect">
+                <a:avLst/>
+              </a:prstGeom>
+              <a:solidFill>
+                <a:schemeClr val="bg1"/>
+              </a:solidFill>
+            </p:spPr>
+            <p:txBody>
+              <a:bodyPr wrap="none" rtlCol="0">
+                <a:spAutoFit/>
+              </a:bodyPr>
+              <a:lstStyle/>
+              <a:p>
+                <a:pPr/>
+                <a14:m>
+                  <m:oMathPara xmlns:m="http://schemas.openxmlformats.org/officeDocument/2006/math">
+                    <m:oMathParaPr>
+                      <m:jc m:val="centerGroup"/>
+                    </m:oMathParaPr>
+                    <m:oMath xmlns:m="http://schemas.openxmlformats.org/officeDocument/2006/math">
+                      <m:sSub>
+                        <m:sSubPr>
+                          <m:ctrlPr>
+                            <a:rPr lang="en-US" b="0" i="1" smtClean="0">
+                              <a:solidFill>
+                                <a:schemeClr val="accent1"/>
+                              </a:solidFill>
+                              <a:latin typeface="Cambria Math" panose="02040503050406030204" pitchFamily="18" charset="0"/>
+                              <a:ea typeface="Cambria Math" panose="02040503050406030204" pitchFamily="18" charset="0"/>
+                            </a:rPr>
+                          </m:ctrlPr>
+                        </m:sSubPr>
+                        <m:e>
+                          <m:r>
+                            <a:rPr lang="en-US" i="1">
+                              <a:solidFill>
+                                <a:schemeClr val="accent1"/>
+                              </a:solidFill>
+                              <a:latin typeface="Cambria Math" panose="02040503050406030204" pitchFamily="18" charset="0"/>
+                              <a:ea typeface="Cambria Math" panose="02040503050406030204" pitchFamily="18" charset="0"/>
+                            </a:rPr>
+                            <m:t>𝜃</m:t>
+                          </m:r>
+                        </m:e>
+                        <m:sub>
+                          <m:r>
+                            <a:rPr lang="en-US" b="0" i="1" smtClean="0">
+                              <a:solidFill>
+                                <a:schemeClr val="accent1"/>
+                              </a:solidFill>
+                              <a:latin typeface="Cambria Math" panose="02040503050406030204" pitchFamily="18" charset="0"/>
+                              <a:ea typeface="Cambria Math" panose="02040503050406030204" pitchFamily="18" charset="0"/>
+                            </a:rPr>
+                            <m:t>1</m:t>
+                          </m:r>
+                        </m:sub>
+                      </m:sSub>
+                      <m:r>
+                        <a:rPr lang="en-US" b="0" i="1" smtClean="0">
+                          <a:solidFill>
+                            <a:schemeClr val="accent1"/>
+                          </a:solidFill>
+                          <a:latin typeface="Cambria Math" panose="02040503050406030204" pitchFamily="18" charset="0"/>
+                          <a:ea typeface="Cambria Math" panose="02040503050406030204" pitchFamily="18" charset="0"/>
+                        </a:rPr>
+                        <m:t>=5</m:t>
+                      </m:r>
+                      <m:r>
+                        <a:rPr lang="en-US" b="0" i="1" smtClean="0">
+                          <a:solidFill>
+                            <a:schemeClr val="accent1"/>
+                          </a:solidFill>
+                          <a:latin typeface="Cambria Math" panose="02040503050406030204" pitchFamily="18" charset="0"/>
+                        </a:rPr>
+                        <m:t>0</m:t>
+                      </m:r>
+                      <m:r>
+                        <a:rPr lang="en-US" b="0" i="1" baseline="30000" smtClean="0">
+                          <a:solidFill>
+                            <a:schemeClr val="accent1"/>
+                          </a:solidFill>
+                          <a:latin typeface="Cambria Math" panose="02040503050406030204" pitchFamily="18" charset="0"/>
+                        </a:rPr>
+                        <m:t>𝑜</m:t>
+                      </m:r>
+                    </m:oMath>
+                  </m:oMathPara>
+                </a14:m>
+                <a:endParaRPr lang="en-US" baseline="30000" dirty="0">
+                  <a:solidFill>
+                    <a:schemeClr val="accent1"/>
+                  </a:solidFill>
+                </a:endParaRPr>
+              </a:p>
+            </p:txBody>
+          </p:sp>
+        </mc:Choice>
+        <mc:Fallback>
+          <p:sp>
+            <p:nvSpPr>
+              <p:cNvPr id="22" name="TextBox 21">
+                <a:extLst>
+                  <a:ext uri="{FF2B5EF4-FFF2-40B4-BE49-F238E27FC236}">
+                    <a16:creationId xmlns:a16="http://schemas.microsoft.com/office/drawing/2014/main" id="{DF19DD29-0AF3-455A-9067-C1D4845EC59A}"/>
+                  </a:ext>
+                </a:extLst>
+              </p:cNvPr>
+              <p:cNvSpPr txBox="1">
+                <a:spLocks noRot="1" noChangeAspect="1" noMove="1" noResize="1" noEditPoints="1" noAdjustHandles="1" noChangeArrowheads="1" noChangeShapeType="1" noTextEdit="1"/>
+              </p:cNvSpPr>
+              <p:nvPr/>
+            </p:nvSpPr>
+            <p:spPr>
+              <a:xfrm>
+                <a:off x="1618134" y="5099647"/>
+                <a:ext cx="1088311" cy="362984"/>
+              </a:xfrm>
+              <a:prstGeom prst="rect">
+                <a:avLst/>
+              </a:prstGeom>
+              <a:blipFill>
+                <a:blip r:embed="rId4"/>
+                <a:stretch>
+                  <a:fillRect b="-3390"/>
+                </a:stretch>
+              </a:blipFill>
+            </p:spPr>
+            <p:txBody>
+              <a:bodyPr/>
+              <a:lstStyle/>
+              <a:p>
+                <a:r>
+                  <a:rPr lang="en-US">
+                    <a:noFill/>
+                  </a:rPr>
+                  <a:t> </a:t>
+                </a:r>
+              </a:p>
+            </p:txBody>
+          </p:sp>
+        </mc:Fallback>
+      </mc:AlternateContent>
+      <p:sp>
+        <p:nvSpPr>
+          <p:cNvPr id="23" name="Arc 22">
+            <a:extLst>
+              <a:ext uri="{FF2B5EF4-FFF2-40B4-BE49-F238E27FC236}">
+                <a16:creationId xmlns:a16="http://schemas.microsoft.com/office/drawing/2014/main" id="{787F7E1A-1F32-4436-8E03-F6F8A0E4958C}"/>
+              </a:ext>
+            </a:extLst>
+          </p:cNvPr>
+          <p:cNvSpPr/>
+          <p:nvPr/>
+        </p:nvSpPr>
+        <p:spPr>
+          <a:xfrm>
+            <a:off x="866775" y="5699829"/>
+            <a:ext cx="1295515" cy="1310571"/>
+          </a:xfrm>
+          <a:prstGeom prst="arc">
+            <a:avLst>
+              <a:gd name="adj1" fmla="val 18708126"/>
+              <a:gd name="adj2" fmla="val 0"/>
+            </a:avLst>
+          </a:prstGeom>
+        </p:spPr>
+        <p:style>
+          <a:lnRef idx="1">
+            <a:schemeClr val="accent1"/>
+          </a:lnRef>
+          <a:fillRef idx="0">
+            <a:schemeClr val="accent1"/>
+          </a:fillRef>
+          <a:effectRef idx="0">
+            <a:schemeClr val="accent1"/>
+          </a:effectRef>
+          <a:fontRef idx="minor">
+            <a:schemeClr val="tx1"/>
+          </a:fontRef>
+        </p:style>
+        <p:txBody>
+          <a:bodyPr rtlCol="0" anchor="ctr"/>
+          <a:lstStyle/>
+          <a:p>
+            <a:pPr algn="ctr"/>
+            <a:endParaRPr lang="en-US"/>
+          </a:p>
+        </p:txBody>
+      </p:sp>
+      <p:sp>
+        <p:nvSpPr>
+          <p:cNvPr id="24" name="TextBox 23">
+            <a:extLst>
+              <a:ext uri="{FF2B5EF4-FFF2-40B4-BE49-F238E27FC236}">
+                <a16:creationId xmlns:a16="http://schemas.microsoft.com/office/drawing/2014/main" id="{431E7000-3FA6-4C37-A96F-7229E3EECD10}"/>
+              </a:ext>
+            </a:extLst>
+          </p:cNvPr>
+          <p:cNvSpPr txBox="1"/>
+          <p:nvPr/>
+        </p:nvSpPr>
+        <p:spPr>
+          <a:xfrm>
+            <a:off x="4248777" y="4355067"/>
+            <a:ext cx="1237326" cy="369332"/>
+          </a:xfrm>
+          <a:prstGeom prst="rect">
+            <a:avLst/>
+          </a:prstGeom>
+          <a:noFill/>
+        </p:spPr>
+        <p:txBody>
+          <a:bodyPr wrap="none" rtlCol="0">
+            <a:spAutoFit/>
+          </a:bodyPr>
+          <a:lstStyle/>
+          <a:p>
+            <a:r>
+              <a:rPr lang="en-US" dirty="0">
+                <a:solidFill>
+                  <a:srgbClr val="0070C0"/>
+                </a:solidFill>
+              </a:rPr>
+              <a:t>Projectile 1</a:t>
+            </a:r>
+          </a:p>
+        </p:txBody>
+      </p:sp>
+      <p:sp>
+        <p:nvSpPr>
+          <p:cNvPr id="25" name="TextBox 24">
+            <a:extLst>
+              <a:ext uri="{FF2B5EF4-FFF2-40B4-BE49-F238E27FC236}">
+                <a16:creationId xmlns:a16="http://schemas.microsoft.com/office/drawing/2014/main" id="{6784004C-1AAD-46B3-B3E3-EE0CCF560DA6}"/>
+              </a:ext>
+            </a:extLst>
+          </p:cNvPr>
+          <p:cNvSpPr txBox="1"/>
+          <p:nvPr/>
+        </p:nvSpPr>
+        <p:spPr>
+          <a:xfrm>
+            <a:off x="4277352" y="5176877"/>
+            <a:ext cx="1237326" cy="369332"/>
+          </a:xfrm>
+          <a:prstGeom prst="rect">
+            <a:avLst/>
+          </a:prstGeom>
+          <a:noFill/>
+        </p:spPr>
+        <p:txBody>
+          <a:bodyPr wrap="none" rtlCol="0">
+            <a:spAutoFit/>
+          </a:bodyPr>
+          <a:lstStyle/>
+          <a:p>
+            <a:r>
+              <a:rPr lang="en-US" dirty="0">
+                <a:solidFill>
+                  <a:srgbClr val="0070C0"/>
+                </a:solidFill>
+              </a:rPr>
+              <a:t>Projectile 2</a:t>
+            </a:r>
+          </a:p>
+        </p:txBody>
+      </p:sp>
+      <p:sp>
+        <p:nvSpPr>
+          <p:cNvPr id="26" name="Arc 25">
+            <a:extLst>
+              <a:ext uri="{FF2B5EF4-FFF2-40B4-BE49-F238E27FC236}">
+                <a16:creationId xmlns:a16="http://schemas.microsoft.com/office/drawing/2014/main" id="{8DD6A655-2F34-404B-AF1D-76349885F9CE}"/>
+              </a:ext>
+            </a:extLst>
+          </p:cNvPr>
+          <p:cNvSpPr/>
+          <p:nvPr/>
+        </p:nvSpPr>
+        <p:spPr>
+          <a:xfrm>
+            <a:off x="600075" y="5394814"/>
+            <a:ext cx="1828800" cy="1828800"/>
+          </a:xfrm>
+          <a:prstGeom prst="arc">
+            <a:avLst>
+              <a:gd name="adj1" fmla="val 19540643"/>
+              <a:gd name="adj2" fmla="val 0"/>
+            </a:avLst>
+          </a:prstGeom>
+        </p:spPr>
+        <p:style>
+          <a:lnRef idx="1">
+            <a:schemeClr val="accent1"/>
+          </a:lnRef>
+          <a:fillRef idx="0">
+            <a:schemeClr val="accent1"/>
+          </a:fillRef>
+          <a:effectRef idx="0">
+            <a:schemeClr val="accent1"/>
+          </a:effectRef>
+          <a:fontRef idx="minor">
+            <a:schemeClr val="tx1"/>
+          </a:fontRef>
+        </p:style>
+        <p:txBody>
+          <a:bodyPr rtlCol="0" anchor="ctr"/>
+          <a:lstStyle/>
+          <a:p>
+            <a:pPr algn="ctr"/>
+            <a:endParaRPr lang="en-US"/>
+          </a:p>
+        </p:txBody>
+      </p:sp>
+      <mc:AlternateContent xmlns:mc="http://schemas.openxmlformats.org/markup-compatibility/2006">
+        <mc:Choice xmlns:a14="http://schemas.microsoft.com/office/drawing/2010/main" Requires="a14">
+          <p:sp>
+            <p:nvSpPr>
+              <p:cNvPr id="27" name="TextBox 26">
+                <a:extLst>
+                  <a:ext uri="{FF2B5EF4-FFF2-40B4-BE49-F238E27FC236}">
+                    <a16:creationId xmlns:a16="http://schemas.microsoft.com/office/drawing/2014/main" id="{C71D5C93-776B-4BC5-A604-6E2C87867FF6}"/>
+                  </a:ext>
+                </a:extLst>
+              </p:cNvPr>
+              <p:cNvSpPr txBox="1"/>
+              <p:nvPr/>
+            </p:nvSpPr>
+            <p:spPr>
+              <a:xfrm>
+                <a:off x="2417454" y="5769800"/>
+                <a:ext cx="835293" cy="362984"/>
+              </a:xfrm>
+              <a:prstGeom prst="rect">
+                <a:avLst/>
+              </a:prstGeom>
+              <a:solidFill>
+                <a:schemeClr val="bg1"/>
+              </a:solidFill>
+            </p:spPr>
+            <p:txBody>
+              <a:bodyPr wrap="none" rtlCol="0">
+                <a:spAutoFit/>
+              </a:bodyPr>
+              <a:lstStyle/>
+              <a:p>
+                <a:pPr/>
+                <a14:m>
+                  <m:oMathPara xmlns:m="http://schemas.openxmlformats.org/officeDocument/2006/math">
+                    <m:oMathParaPr>
+                      <m:jc m:val="centerGroup"/>
+                    </m:oMathParaPr>
+                    <m:oMath xmlns:m="http://schemas.openxmlformats.org/officeDocument/2006/math">
+                      <m:sSub>
+                        <m:sSubPr>
+                          <m:ctrlPr>
+                            <a:rPr lang="en-US" b="0" i="1" smtClean="0">
+                              <a:solidFill>
+                                <a:schemeClr val="accent1"/>
+                              </a:solidFill>
+                              <a:latin typeface="Cambria Math" panose="02040503050406030204" pitchFamily="18" charset="0"/>
+                              <a:ea typeface="Cambria Math" panose="02040503050406030204" pitchFamily="18" charset="0"/>
+                            </a:rPr>
+                          </m:ctrlPr>
+                        </m:sSubPr>
+                        <m:e>
+                          <m:r>
+                            <a:rPr lang="en-US" i="1">
+                              <a:solidFill>
+                                <a:schemeClr val="accent1"/>
+                              </a:solidFill>
+                              <a:latin typeface="Cambria Math" panose="02040503050406030204" pitchFamily="18" charset="0"/>
+                              <a:ea typeface="Cambria Math" panose="02040503050406030204" pitchFamily="18" charset="0"/>
+                            </a:rPr>
+                            <m:t>𝜃</m:t>
+                          </m:r>
+                        </m:e>
+                        <m:sub>
+                          <m:r>
+                            <a:rPr lang="en-US" b="0" i="1" smtClean="0">
+                              <a:solidFill>
+                                <a:schemeClr val="accent1"/>
+                              </a:solidFill>
+                              <a:latin typeface="Cambria Math" panose="02040503050406030204" pitchFamily="18" charset="0"/>
+                              <a:ea typeface="Cambria Math" panose="02040503050406030204" pitchFamily="18" charset="0"/>
+                            </a:rPr>
+                            <m:t>2</m:t>
+                          </m:r>
+                        </m:sub>
+                      </m:sSub>
+                      <m:r>
+                        <a:rPr lang="en-US" b="0" i="1" smtClean="0">
+                          <a:solidFill>
+                            <a:schemeClr val="accent1"/>
+                          </a:solidFill>
+                          <a:latin typeface="Cambria Math" panose="02040503050406030204" pitchFamily="18" charset="0"/>
+                          <a:ea typeface="Cambria Math" panose="02040503050406030204" pitchFamily="18" charset="0"/>
+                        </a:rPr>
+                        <m:t>= ?</m:t>
+                      </m:r>
+                    </m:oMath>
+                  </m:oMathPara>
+                </a14:m>
+                <a:endParaRPr lang="en-US" baseline="30000" dirty="0">
+                  <a:solidFill>
+                    <a:schemeClr val="accent1"/>
+                  </a:solidFill>
+                </a:endParaRPr>
+              </a:p>
+            </p:txBody>
+          </p:sp>
+        </mc:Choice>
+        <mc:Fallback>
+          <p:sp>
+            <p:nvSpPr>
+              <p:cNvPr id="27" name="TextBox 26">
+                <a:extLst>
+                  <a:ext uri="{FF2B5EF4-FFF2-40B4-BE49-F238E27FC236}">
+                    <a16:creationId xmlns:a16="http://schemas.microsoft.com/office/drawing/2014/main" id="{C71D5C93-776B-4BC5-A604-6E2C87867FF6}"/>
+                  </a:ext>
+                </a:extLst>
+              </p:cNvPr>
+              <p:cNvSpPr txBox="1">
+                <a:spLocks noRot="1" noChangeAspect="1" noMove="1" noResize="1" noEditPoints="1" noAdjustHandles="1" noChangeArrowheads="1" noChangeShapeType="1" noTextEdit="1"/>
+              </p:cNvSpPr>
+              <p:nvPr/>
+            </p:nvSpPr>
+            <p:spPr>
+              <a:xfrm>
+                <a:off x="2417454" y="5769800"/>
+                <a:ext cx="835293" cy="362984"/>
+              </a:xfrm>
+              <a:prstGeom prst="rect">
+                <a:avLst/>
+              </a:prstGeom>
+              <a:blipFill>
+                <a:blip r:embed="rId5"/>
+                <a:stretch>
+                  <a:fillRect b="-1667"/>
+                </a:stretch>
+              </a:blipFill>
+            </p:spPr>
+            <p:txBody>
+              <a:bodyPr/>
+              <a:lstStyle/>
+              <a:p>
+                <a:r>
+                  <a:rPr lang="en-US">
+                    <a:noFill/>
+                  </a:rPr>
+                  <a:t> </a:t>
+                </a:r>
+              </a:p>
+            </p:txBody>
+          </p:sp>
+        </mc:Fallback>
+      </mc:AlternateContent>
+    </p:spTree>
+    <p:extLst>
+      <p:ext uri="{BB962C8B-B14F-4D97-AF65-F5344CB8AC3E}">
+        <p14:creationId xmlns:p14="http://schemas.microsoft.com/office/powerpoint/2010/main" val="1524949875"/>
       </p:ext>
     </p:extLst>
   </p:cSld>
@@ -13855,12 +16312,9 @@
 </file>
 
 <file path=customXml/item1.xml><?xml version="1.0" encoding="utf-8"?>
-<?mso-contentType ?>
-<FormTemplates xmlns="http://schemas.microsoft.com/sharepoint/v3/contenttype/forms">
-  <Display>DocumentLibraryForm</Display>
-  <Edit>DocumentLibraryForm</Edit>
-  <New>DocumentLibraryForm</New>
-</FormTemplates>
+<p:properties xmlns:p="http://schemas.microsoft.com/office/2006/metadata/properties" xmlns:xsi="http://www.w3.org/2001/XMLSchema-instance" xmlns:pc="http://schemas.microsoft.com/office/infopath/2007/PartnerControls">
+  <documentManagement/>
+</p:properties>
 </file>
 
 <file path=customXml/item2.xml><?xml version="1.0" encoding="utf-8"?>
@@ -14081,15 +16535,19 @@
 </file>
 
 <file path=customXml/item3.xml><?xml version="1.0" encoding="utf-8"?>
-<p:properties xmlns:p="http://schemas.microsoft.com/office/2006/metadata/properties" xmlns:xsi="http://www.w3.org/2001/XMLSchema-instance" xmlns:pc="http://schemas.microsoft.com/office/infopath/2007/PartnerControls">
-  <documentManagement/>
-</p:properties>
+<?mso-contentType ?>
+<FormTemplates xmlns="http://schemas.microsoft.com/sharepoint/v3/contenttype/forms">
+  <Display>DocumentLibraryForm</Display>
+  <Edit>DocumentLibraryForm</Edit>
+  <New>DocumentLibraryForm</New>
+</FormTemplates>
 </file>
 
 <file path=customXml/itemProps1.xml><?xml version="1.0" encoding="utf-8"?>
-<ds:datastoreItem xmlns:ds="http://schemas.openxmlformats.org/officeDocument/2006/customXml" ds:itemID="{F5CF5F32-56DC-4068-8B04-457CF34A96F3}">
+<ds:datastoreItem xmlns:ds="http://schemas.openxmlformats.org/officeDocument/2006/customXml" ds:itemID="{52EB1464-66D1-425A-BBB5-7A9312BBE9C4}">
   <ds:schemaRefs>
-    <ds:schemaRef ds:uri="http://schemas.microsoft.com/sharepoint/v3/contenttype/forms"/>
+    <ds:schemaRef ds:uri="http://schemas.microsoft.com/office/2006/metadata/properties"/>
+    <ds:schemaRef ds:uri="http://schemas.microsoft.com/office/infopath/2007/PartnerControls"/>
   </ds:schemaRefs>
 </ds:datastoreItem>
 </file>
@@ -14114,10 +16572,9 @@
 </file>
 
 <file path=customXml/itemProps3.xml><?xml version="1.0" encoding="utf-8"?>
-<ds:datastoreItem xmlns:ds="http://schemas.openxmlformats.org/officeDocument/2006/customXml" ds:itemID="{52EB1464-66D1-425A-BBB5-7A9312BBE9C4}">
+<ds:datastoreItem xmlns:ds="http://schemas.openxmlformats.org/officeDocument/2006/customXml" ds:itemID="{F5CF5F32-56DC-4068-8B04-457CF34A96F3}">
   <ds:schemaRefs>
-    <ds:schemaRef ds:uri="http://schemas.microsoft.com/office/2006/metadata/properties"/>
-    <ds:schemaRef ds:uri="http://schemas.microsoft.com/office/infopath/2007/PartnerControls"/>
+    <ds:schemaRef ds:uri="http://schemas.microsoft.com/sharepoint/v3/contenttype/forms"/>
   </ds:schemaRefs>
 </ds:datastoreItem>
 </file>